--- a/El Destino Alterno.pptx
+++ b/El Destino Alterno.pptx
@@ -6,8 +6,11 @@
   </p:sldMasterIdLst>
   <p:sldIdLst>
     <p:sldId id="256" r:id="rId2"/>
-    <p:sldId id="257" r:id="rId3"/>
-    <p:sldId id="258" r:id="rId4"/>
+    <p:sldId id="259" r:id="rId3"/>
+    <p:sldId id="257" r:id="rId4"/>
+    <p:sldId id="258" r:id="rId5"/>
+    <p:sldId id="260" r:id="rId6"/>
+    <p:sldId id="261" r:id="rId7"/>
   </p:sldIdLst>
   <p:sldSz cx="12192000" cy="6858000"/>
   <p:notesSz cx="6858000" cy="9144000"/>
@@ -106,6 +109,11 @@
       </a:defRPr>
     </a:lvl9pPr>
   </p:defaultTextStyle>
+  <p:extLst>
+    <p:ext uri="{EFAFB233-063F-42B5-8137-9DF3F51BA10A}">
+      <p15:sldGuideLst xmlns:p15="http://schemas.microsoft.com/office/powerpoint/2012/main"/>
+    </p:ext>
+  </p:extLst>
 </p:presentation>
 </file>
 
@@ -258,7 +266,7 @@
           <a:p>
             <a:fld id="{62CA8C82-A661-4656-B604-335EC7D89E4A}" type="datetimeFigureOut">
               <a:rPr lang="es-PE" smtClean="0"/>
-              <a:t>27/11/2019</a:t>
+              <a:t>28/11/2019</a:t>
             </a:fld>
             <a:endParaRPr lang="es-PE"/>
           </a:p>
@@ -458,7 +466,7 @@
           <a:p>
             <a:fld id="{62CA8C82-A661-4656-B604-335EC7D89E4A}" type="datetimeFigureOut">
               <a:rPr lang="es-PE" smtClean="0"/>
-              <a:t>27/11/2019</a:t>
+              <a:t>28/11/2019</a:t>
             </a:fld>
             <a:endParaRPr lang="es-PE"/>
           </a:p>
@@ -668,7 +676,7 @@
           <a:p>
             <a:fld id="{62CA8C82-A661-4656-B604-335EC7D89E4A}" type="datetimeFigureOut">
               <a:rPr lang="es-PE" smtClean="0"/>
-              <a:t>27/11/2019</a:t>
+              <a:t>28/11/2019</a:t>
             </a:fld>
             <a:endParaRPr lang="es-PE"/>
           </a:p>
@@ -868,7 +876,7 @@
           <a:p>
             <a:fld id="{62CA8C82-A661-4656-B604-335EC7D89E4A}" type="datetimeFigureOut">
               <a:rPr lang="es-PE" smtClean="0"/>
-              <a:t>27/11/2019</a:t>
+              <a:t>28/11/2019</a:t>
             </a:fld>
             <a:endParaRPr lang="es-PE"/>
           </a:p>
@@ -1144,7 +1152,7 @@
           <a:p>
             <a:fld id="{62CA8C82-A661-4656-B604-335EC7D89E4A}" type="datetimeFigureOut">
               <a:rPr lang="es-PE" smtClean="0"/>
-              <a:t>27/11/2019</a:t>
+              <a:t>28/11/2019</a:t>
             </a:fld>
             <a:endParaRPr lang="es-PE"/>
           </a:p>
@@ -1412,7 +1420,7 @@
           <a:p>
             <a:fld id="{62CA8C82-A661-4656-B604-335EC7D89E4A}" type="datetimeFigureOut">
               <a:rPr lang="es-PE" smtClean="0"/>
-              <a:t>27/11/2019</a:t>
+              <a:t>28/11/2019</a:t>
             </a:fld>
             <a:endParaRPr lang="es-PE"/>
           </a:p>
@@ -1827,7 +1835,7 @@
           <a:p>
             <a:fld id="{62CA8C82-A661-4656-B604-335EC7D89E4A}" type="datetimeFigureOut">
               <a:rPr lang="es-PE" smtClean="0"/>
-              <a:t>27/11/2019</a:t>
+              <a:t>28/11/2019</a:t>
             </a:fld>
             <a:endParaRPr lang="es-PE"/>
           </a:p>
@@ -1969,7 +1977,7 @@
           <a:p>
             <a:fld id="{62CA8C82-A661-4656-B604-335EC7D89E4A}" type="datetimeFigureOut">
               <a:rPr lang="es-PE" smtClean="0"/>
-              <a:t>27/11/2019</a:t>
+              <a:t>28/11/2019</a:t>
             </a:fld>
             <a:endParaRPr lang="es-PE"/>
           </a:p>
@@ -2082,7 +2090,7 @@
           <a:p>
             <a:fld id="{62CA8C82-A661-4656-B604-335EC7D89E4A}" type="datetimeFigureOut">
               <a:rPr lang="es-PE" smtClean="0"/>
-              <a:t>27/11/2019</a:t>
+              <a:t>28/11/2019</a:t>
             </a:fld>
             <a:endParaRPr lang="es-PE"/>
           </a:p>
@@ -2395,7 +2403,7 @@
           <a:p>
             <a:fld id="{62CA8C82-A661-4656-B604-335EC7D89E4A}" type="datetimeFigureOut">
               <a:rPr lang="es-PE" smtClean="0"/>
-              <a:t>27/11/2019</a:t>
+              <a:t>28/11/2019</a:t>
             </a:fld>
             <a:endParaRPr lang="es-PE"/>
           </a:p>
@@ -2684,7 +2692,7 @@
           <a:p>
             <a:fld id="{62CA8C82-A661-4656-B604-335EC7D89E4A}" type="datetimeFigureOut">
               <a:rPr lang="es-PE" smtClean="0"/>
-              <a:t>27/11/2019</a:t>
+              <a:t>28/11/2019</a:t>
             </a:fld>
             <a:endParaRPr lang="es-PE"/>
           </a:p>
@@ -2927,7 +2935,7 @@
           <a:p>
             <a:fld id="{62CA8C82-A661-4656-B604-335EC7D89E4A}" type="datetimeFigureOut">
               <a:rPr lang="es-PE" smtClean="0"/>
-              <a:t>27/11/2019</a:t>
+              <a:t>28/11/2019</a:t>
             </a:fld>
             <a:endParaRPr lang="es-PE"/>
           </a:p>
@@ -3435,7 +3443,7 @@
           <p:cNvPr id="2" name="Title 1">
             <a:extLst>
               <a:ext uri="{FF2B5EF4-FFF2-40B4-BE49-F238E27FC236}">
-                <a16:creationId xmlns:a16="http://schemas.microsoft.com/office/drawing/2014/main" id="{AEBB8470-BBB9-479E-A516-AF6DA97A581D}"/>
+                <a16:creationId xmlns:a16="http://schemas.microsoft.com/office/drawing/2014/main" id="{7CEB8B42-BE27-4442-AEEB-514FE0B00700}"/>
               </a:ext>
             </a:extLst>
           </p:cNvPr>
@@ -3452,80 +3460,72 @@
           <a:lstStyle/>
           <a:p>
             <a:r>
+              <a:rPr lang="es-PE" dirty="0"/>
+              <a:t>Integrantes del Grupo	</a:t>
+            </a:r>
+          </a:p>
+        </p:txBody>
+      </p:sp>
+      <p:sp>
+        <p:nvSpPr>
+          <p:cNvPr id="3" name="Content Placeholder 2">
+            <a:extLst>
+              <a:ext uri="{FF2B5EF4-FFF2-40B4-BE49-F238E27FC236}">
+                <a16:creationId xmlns:a16="http://schemas.microsoft.com/office/drawing/2014/main" id="{3E96AB47-A68A-4CA4-9793-52A9EE82FC7A}"/>
+              </a:ext>
+            </a:extLst>
+          </p:cNvPr>
+          <p:cNvSpPr>
+            <a:spLocks noGrp="1"/>
+          </p:cNvSpPr>
+          <p:nvPr>
+            <p:ph idx="1"/>
+          </p:nvPr>
+        </p:nvSpPr>
+        <p:spPr/>
+        <p:txBody>
+          <a:bodyPr/>
+          <a:lstStyle/>
+          <a:p>
+            <a:r>
+              <a:rPr lang="es-PE" dirty="0"/>
+              <a:t>Dominique Verellen</a:t>
+            </a:r>
+          </a:p>
+          <a:p>
+            <a:r>
+              <a:rPr lang="es-PE" dirty="0"/>
+              <a:t>Andrea </a:t>
+            </a:r>
+            <a:r>
               <a:rPr lang="es-PE" dirty="0" err="1"/>
-              <a:t>Tecnologias</a:t>
-            </a:r>
+              <a:t>Perez</a:t>
+            </a:r>
+            <a:endParaRPr lang="es-PE" dirty="0"/>
+          </a:p>
+          <a:p>
             <a:r>
               <a:rPr lang="es-PE" dirty="0"/>
-              <a:t> usadas</a:t>
-            </a:r>
-          </a:p>
-        </p:txBody>
-      </p:sp>
-      <p:sp>
-        <p:nvSpPr>
-          <p:cNvPr id="3" name="Content Placeholder 2">
-            <a:extLst>
-              <a:ext uri="{FF2B5EF4-FFF2-40B4-BE49-F238E27FC236}">
-                <a16:creationId xmlns:a16="http://schemas.microsoft.com/office/drawing/2014/main" id="{92CD5931-6BE5-4223-A255-39DD3BD70B14}"/>
-              </a:ext>
-            </a:extLst>
-          </p:cNvPr>
-          <p:cNvSpPr>
-            <a:spLocks noGrp="1"/>
-          </p:cNvSpPr>
-          <p:nvPr>
-            <p:ph idx="1"/>
-          </p:nvPr>
-        </p:nvSpPr>
-        <p:spPr/>
-        <p:txBody>
-          <a:bodyPr/>
-          <a:lstStyle/>
+              <a:t>Miluska Romero</a:t>
+            </a:r>
+          </a:p>
           <a:p>
             <a:r>
               <a:rPr lang="es-PE" dirty="0"/>
-              <a:t>HTML 5</a:t>
-            </a:r>
-          </a:p>
-          <a:p>
-            <a:r>
-              <a:rPr lang="es-PE" dirty="0"/>
-              <a:t>CSS 3</a:t>
-            </a:r>
-          </a:p>
-          <a:p>
-            <a:r>
-              <a:rPr lang="es-PE" dirty="0"/>
-              <a:t>Bootstrap</a:t>
-            </a:r>
-          </a:p>
-          <a:p>
-            <a:r>
-              <a:rPr lang="es-PE" dirty="0"/>
-              <a:t>jQuery</a:t>
-            </a:r>
-          </a:p>
-          <a:p>
-            <a:r>
-              <a:rPr lang="es-PE" dirty="0"/>
-              <a:t>Hosting en </a:t>
+              <a:t>Valeria </a:t>
             </a:r>
             <a:r>
               <a:rPr lang="es-PE" dirty="0" err="1"/>
-              <a:t>Github</a:t>
-            </a:r>
-            <a:r>
-              <a:rPr lang="es-PE" dirty="0"/>
-              <a:t> Pages con Jekyll</a:t>
-            </a:r>
+              <a:t>Vilchez</a:t>
+            </a:r>
+            <a:endParaRPr lang="es-PE" dirty="0"/>
           </a:p>
         </p:txBody>
       </p:sp>
     </p:spTree>
     <p:extLst>
       <p:ext uri="{BB962C8B-B14F-4D97-AF65-F5344CB8AC3E}">
-        <p14:creationId xmlns:p14="http://schemas.microsoft.com/office/powerpoint/2010/main" val="1445040045"/>
+        <p14:creationId xmlns:p14="http://schemas.microsoft.com/office/powerpoint/2010/main" val="3329480620"/>
       </p:ext>
     </p:extLst>
   </p:cSld>
@@ -3557,6 +3557,128 @@
           <p:cNvPr id="2" name="Title 1">
             <a:extLst>
               <a:ext uri="{FF2B5EF4-FFF2-40B4-BE49-F238E27FC236}">
+                <a16:creationId xmlns:a16="http://schemas.microsoft.com/office/drawing/2014/main" id="{AEBB8470-BBB9-479E-A516-AF6DA97A581D}"/>
+              </a:ext>
+            </a:extLst>
+          </p:cNvPr>
+          <p:cNvSpPr>
+            <a:spLocks noGrp="1"/>
+          </p:cNvSpPr>
+          <p:nvPr>
+            <p:ph type="title"/>
+          </p:nvPr>
+        </p:nvSpPr>
+        <p:spPr/>
+        <p:txBody>
+          <a:bodyPr/>
+          <a:lstStyle/>
+          <a:p>
+            <a:r>
+              <a:rPr lang="es-PE" dirty="0" err="1"/>
+              <a:t>Tecnologias</a:t>
+            </a:r>
+            <a:r>
+              <a:rPr lang="es-PE" dirty="0"/>
+              <a:t> usadas</a:t>
+            </a:r>
+          </a:p>
+        </p:txBody>
+      </p:sp>
+      <p:sp>
+        <p:nvSpPr>
+          <p:cNvPr id="3" name="Content Placeholder 2">
+            <a:extLst>
+              <a:ext uri="{FF2B5EF4-FFF2-40B4-BE49-F238E27FC236}">
+                <a16:creationId xmlns:a16="http://schemas.microsoft.com/office/drawing/2014/main" id="{92CD5931-6BE5-4223-A255-39DD3BD70B14}"/>
+              </a:ext>
+            </a:extLst>
+          </p:cNvPr>
+          <p:cNvSpPr>
+            <a:spLocks noGrp="1"/>
+          </p:cNvSpPr>
+          <p:nvPr>
+            <p:ph idx="1"/>
+          </p:nvPr>
+        </p:nvSpPr>
+        <p:spPr/>
+        <p:txBody>
+          <a:bodyPr/>
+          <a:lstStyle/>
+          <a:p>
+            <a:r>
+              <a:rPr lang="es-PE" dirty="0"/>
+              <a:t>HTML 5</a:t>
+            </a:r>
+          </a:p>
+          <a:p>
+            <a:r>
+              <a:rPr lang="es-PE" dirty="0"/>
+              <a:t>CSS 3</a:t>
+            </a:r>
+          </a:p>
+          <a:p>
+            <a:r>
+              <a:rPr lang="es-PE" dirty="0"/>
+              <a:t>Bootstrap 4.3.1</a:t>
+            </a:r>
+          </a:p>
+          <a:p>
+            <a:r>
+              <a:rPr lang="es-PE" dirty="0"/>
+              <a:t>jQuery 3.4.1</a:t>
+            </a:r>
+          </a:p>
+          <a:p>
+            <a:r>
+              <a:rPr lang="es-PE" dirty="0"/>
+              <a:t>Hosting en </a:t>
+            </a:r>
+            <a:r>
+              <a:rPr lang="es-PE" dirty="0" err="1"/>
+              <a:t>Github</a:t>
+            </a:r>
+            <a:r>
+              <a:rPr lang="es-PE" dirty="0"/>
+              <a:t> Pages con Jekyll (Ruby)</a:t>
+            </a:r>
+          </a:p>
+        </p:txBody>
+      </p:sp>
+    </p:spTree>
+    <p:extLst>
+      <p:ext uri="{BB962C8B-B14F-4D97-AF65-F5344CB8AC3E}">
+        <p14:creationId xmlns:p14="http://schemas.microsoft.com/office/powerpoint/2010/main" val="1445040045"/>
+      </p:ext>
+    </p:extLst>
+  </p:cSld>
+  <p:clrMapOvr>
+    <a:masterClrMapping/>
+  </p:clrMapOvr>
+</p:sld>
+</file>
+
+<file path=ppt/slides/slide4.xml><?xml version="1.0" encoding="utf-8"?>
+<p:sld xmlns:a="http://schemas.openxmlformats.org/drawingml/2006/main" xmlns:r="http://schemas.openxmlformats.org/officeDocument/2006/relationships" xmlns:p="http://schemas.openxmlformats.org/presentationml/2006/main">
+  <p:cSld>
+    <p:spTree>
+      <p:nvGrpSpPr>
+        <p:cNvPr id="1" name=""/>
+        <p:cNvGrpSpPr/>
+        <p:nvPr/>
+      </p:nvGrpSpPr>
+      <p:grpSpPr>
+        <a:xfrm>
+          <a:off x="0" y="0"/>
+          <a:ext cx="0" cy="0"/>
+          <a:chOff x="0" y="0"/>
+          <a:chExt cx="0" cy="0"/>
+        </a:xfrm>
+      </p:grpSpPr>
+      <p:sp>
+        <p:nvSpPr>
+          <p:cNvPr id="2" name="Title 1">
+            <a:extLst>
+              <a:ext uri="{FF2B5EF4-FFF2-40B4-BE49-F238E27FC236}">
                 <a16:creationId xmlns:a16="http://schemas.microsoft.com/office/drawing/2014/main" id="{8D487756-6C4A-43CD-BB3E-561E7D156E26}"/>
               </a:ext>
             </a:extLst>
@@ -3573,7 +3695,10 @@
           <a:bodyPr/>
           <a:lstStyle/>
           <a:p>
-            <a:endParaRPr lang="es-PE"/>
+            <a:r>
+              <a:rPr lang="es-PE" dirty="0"/>
+              <a:t>Estructura General</a:t>
+            </a:r>
           </a:p>
         </p:txBody>
       </p:sp>
@@ -3598,7 +3723,64 @@
           <a:bodyPr/>
           <a:lstStyle/>
           <a:p>
-            <a:endParaRPr lang="es-PE"/>
+            <a:r>
+              <a:rPr lang="es-PE" dirty="0"/>
+              <a:t>Index.html</a:t>
+            </a:r>
+          </a:p>
+          <a:p>
+            <a:pPr lvl="1"/>
+            <a:r>
+              <a:rPr lang="es-PE" dirty="0"/>
+              <a:t>Continentes</a:t>
+            </a:r>
+          </a:p>
+          <a:p>
+            <a:pPr lvl="2"/>
+            <a:r>
+              <a:rPr lang="es-PE" dirty="0" err="1"/>
+              <a:t>Paises</a:t>
+            </a:r>
+            <a:endParaRPr lang="es-PE" dirty="0"/>
+          </a:p>
+          <a:p>
+            <a:pPr lvl="3"/>
+            <a:r>
+              <a:rPr lang="es-PE" dirty="0"/>
+              <a:t>Ciudades</a:t>
+            </a:r>
+          </a:p>
+          <a:p>
+            <a:pPr lvl="1"/>
+            <a:r>
+              <a:rPr lang="es-PE" dirty="0"/>
+              <a:t>Blog</a:t>
+            </a:r>
+          </a:p>
+          <a:p>
+            <a:pPr lvl="1"/>
+            <a:r>
+              <a:rPr lang="es-PE" dirty="0"/>
+              <a:t>Destinos</a:t>
+            </a:r>
+          </a:p>
+          <a:p>
+            <a:pPr lvl="1"/>
+            <a:r>
+              <a:rPr lang="es-PE" dirty="0"/>
+              <a:t>Contacto</a:t>
+            </a:r>
+          </a:p>
+          <a:p>
+            <a:pPr lvl="1"/>
+            <a:r>
+              <a:rPr lang="es-PE" dirty="0"/>
+              <a:t>Acerca de</a:t>
+            </a:r>
+          </a:p>
+          <a:p>
+            <a:pPr lvl="1"/>
+            <a:endParaRPr lang="es-PE" dirty="0"/>
           </a:p>
         </p:txBody>
       </p:sp>
@@ -3606,6 +3788,244 @@
     <p:extLst>
       <p:ext uri="{BB962C8B-B14F-4D97-AF65-F5344CB8AC3E}">
         <p14:creationId xmlns:p14="http://schemas.microsoft.com/office/powerpoint/2010/main" val="3191935800"/>
+      </p:ext>
+    </p:extLst>
+  </p:cSld>
+  <p:clrMapOvr>
+    <a:masterClrMapping/>
+  </p:clrMapOvr>
+</p:sld>
+</file>
+
+<file path=ppt/slides/slide5.xml><?xml version="1.0" encoding="utf-8"?>
+<p:sld xmlns:a="http://schemas.openxmlformats.org/drawingml/2006/main" xmlns:r="http://schemas.openxmlformats.org/officeDocument/2006/relationships" xmlns:p="http://schemas.openxmlformats.org/presentationml/2006/main">
+  <p:cSld>
+    <p:spTree>
+      <p:nvGrpSpPr>
+        <p:cNvPr id="1" name=""/>
+        <p:cNvGrpSpPr/>
+        <p:nvPr/>
+      </p:nvGrpSpPr>
+      <p:grpSpPr>
+        <a:xfrm>
+          <a:off x="0" y="0"/>
+          <a:ext cx="0" cy="0"/>
+          <a:chOff x="0" y="0"/>
+          <a:chExt cx="0" cy="0"/>
+        </a:xfrm>
+      </p:grpSpPr>
+      <p:sp>
+        <p:nvSpPr>
+          <p:cNvPr id="2" name="Title 1">
+            <a:extLst>
+              <a:ext uri="{FF2B5EF4-FFF2-40B4-BE49-F238E27FC236}">
+                <a16:creationId xmlns:a16="http://schemas.microsoft.com/office/drawing/2014/main" id="{5B7C1C9C-384E-4845-B650-C3522440CE4C}"/>
+              </a:ext>
+            </a:extLst>
+          </p:cNvPr>
+          <p:cNvSpPr>
+            <a:spLocks noGrp="1"/>
+          </p:cNvSpPr>
+          <p:nvPr>
+            <p:ph type="title"/>
+          </p:nvPr>
+        </p:nvSpPr>
+        <p:spPr/>
+        <p:txBody>
+          <a:bodyPr/>
+          <a:lstStyle/>
+          <a:p>
+            <a:r>
+              <a:rPr lang="es-PE" dirty="0"/>
+              <a:t>Estructura de destinos</a:t>
+            </a:r>
+          </a:p>
+        </p:txBody>
+      </p:sp>
+      <p:sp>
+        <p:nvSpPr>
+          <p:cNvPr id="3" name="Content Placeholder 2">
+            <a:extLst>
+              <a:ext uri="{FF2B5EF4-FFF2-40B4-BE49-F238E27FC236}">
+                <a16:creationId xmlns:a16="http://schemas.microsoft.com/office/drawing/2014/main" id="{DC2998A8-650A-4354-A594-4DCB4D73AA6D}"/>
+              </a:ext>
+            </a:extLst>
+          </p:cNvPr>
+          <p:cNvSpPr>
+            <a:spLocks noGrp="1"/>
+          </p:cNvSpPr>
+          <p:nvPr>
+            <p:ph idx="1"/>
+          </p:nvPr>
+        </p:nvSpPr>
+        <p:spPr/>
+        <p:txBody>
+          <a:bodyPr/>
+          <a:lstStyle/>
+          <a:p>
+            <a:r>
+              <a:rPr lang="es-PE" dirty="0"/>
+              <a:t>Continente</a:t>
+            </a:r>
+          </a:p>
+          <a:p>
+            <a:pPr lvl="1"/>
+            <a:r>
+              <a:rPr lang="es-PE" dirty="0" err="1"/>
+              <a:t>Pais</a:t>
+            </a:r>
+            <a:endParaRPr lang="es-PE" dirty="0"/>
+          </a:p>
+          <a:p>
+            <a:pPr lvl="2"/>
+            <a:r>
+              <a:rPr lang="es-PE" dirty="0"/>
+              <a:t>Ciudad</a:t>
+            </a:r>
+          </a:p>
+          <a:p>
+            <a:pPr lvl="2"/>
+            <a:r>
+              <a:rPr lang="es-PE" dirty="0"/>
+              <a:t>Ciudad</a:t>
+            </a:r>
+          </a:p>
+          <a:p>
+            <a:pPr lvl="2"/>
+            <a:r>
+              <a:rPr lang="es-PE" dirty="0"/>
+              <a:t>ciudad</a:t>
+            </a:r>
+          </a:p>
+          <a:p>
+            <a:pPr lvl="1"/>
+            <a:r>
+              <a:rPr lang="es-PE" dirty="0" err="1"/>
+              <a:t>Pais</a:t>
+            </a:r>
+            <a:endParaRPr lang="es-PE" dirty="0"/>
+          </a:p>
+          <a:p>
+            <a:pPr lvl="2"/>
+            <a:r>
+              <a:rPr lang="es-PE" dirty="0"/>
+              <a:t>ciudad</a:t>
+            </a:r>
+          </a:p>
+          <a:p>
+            <a:pPr lvl="1"/>
+            <a:r>
+              <a:rPr lang="es-PE" dirty="0" err="1"/>
+              <a:t>Pais</a:t>
+            </a:r>
+            <a:endParaRPr lang="es-PE" dirty="0"/>
+          </a:p>
+          <a:p>
+            <a:pPr lvl="2"/>
+            <a:r>
+              <a:rPr lang="es-PE" dirty="0"/>
+              <a:t>Ciudad</a:t>
+            </a:r>
+          </a:p>
+          <a:p>
+            <a:pPr lvl="2"/>
+            <a:r>
+              <a:rPr lang="es-PE" dirty="0"/>
+              <a:t>Ciudad</a:t>
+            </a:r>
+          </a:p>
+          <a:p>
+            <a:r>
+              <a:rPr lang="es-PE" dirty="0"/>
+              <a:t>Continente</a:t>
+            </a:r>
+          </a:p>
+        </p:txBody>
+      </p:sp>
+    </p:spTree>
+    <p:extLst>
+      <p:ext uri="{BB962C8B-B14F-4D97-AF65-F5344CB8AC3E}">
+        <p14:creationId xmlns:p14="http://schemas.microsoft.com/office/powerpoint/2010/main" val="129266987"/>
+      </p:ext>
+    </p:extLst>
+  </p:cSld>
+  <p:clrMapOvr>
+    <a:masterClrMapping/>
+  </p:clrMapOvr>
+</p:sld>
+</file>
+
+<file path=ppt/slides/slide6.xml><?xml version="1.0" encoding="utf-8"?>
+<p:sld xmlns:a="http://schemas.openxmlformats.org/drawingml/2006/main" xmlns:r="http://schemas.openxmlformats.org/officeDocument/2006/relationships" xmlns:p="http://schemas.openxmlformats.org/presentationml/2006/main">
+  <p:cSld>
+    <p:spTree>
+      <p:nvGrpSpPr>
+        <p:cNvPr id="1" name=""/>
+        <p:cNvGrpSpPr/>
+        <p:nvPr/>
+      </p:nvGrpSpPr>
+      <p:grpSpPr>
+        <a:xfrm>
+          <a:off x="0" y="0"/>
+          <a:ext cx="0" cy="0"/>
+          <a:chOff x="0" y="0"/>
+          <a:chExt cx="0" cy="0"/>
+        </a:xfrm>
+      </p:grpSpPr>
+      <p:sp>
+        <p:nvSpPr>
+          <p:cNvPr id="2" name="Title 1">
+            <a:extLst>
+              <a:ext uri="{FF2B5EF4-FFF2-40B4-BE49-F238E27FC236}">
+                <a16:creationId xmlns:a16="http://schemas.microsoft.com/office/drawing/2014/main" id="{7C3A80D1-9E45-4876-B8F5-DC202ABE0583}"/>
+              </a:ext>
+            </a:extLst>
+          </p:cNvPr>
+          <p:cNvSpPr>
+            <a:spLocks noGrp="1"/>
+          </p:cNvSpPr>
+          <p:nvPr>
+            <p:ph type="title"/>
+          </p:nvPr>
+        </p:nvSpPr>
+        <p:spPr/>
+        <p:txBody>
+          <a:bodyPr/>
+          <a:lstStyle/>
+          <a:p>
+            <a:endParaRPr lang="es-PE"/>
+          </a:p>
+        </p:txBody>
+      </p:sp>
+      <p:sp>
+        <p:nvSpPr>
+          <p:cNvPr id="3" name="Content Placeholder 2">
+            <a:extLst>
+              <a:ext uri="{FF2B5EF4-FFF2-40B4-BE49-F238E27FC236}">
+                <a16:creationId xmlns:a16="http://schemas.microsoft.com/office/drawing/2014/main" id="{930532FA-14A8-4D01-86F9-A1E04A76F693}"/>
+              </a:ext>
+            </a:extLst>
+          </p:cNvPr>
+          <p:cNvSpPr>
+            <a:spLocks noGrp="1"/>
+          </p:cNvSpPr>
+          <p:nvPr>
+            <p:ph idx="1"/>
+          </p:nvPr>
+        </p:nvSpPr>
+        <p:spPr/>
+        <p:txBody>
+          <a:bodyPr/>
+          <a:lstStyle/>
+          <a:p>
+            <a:endParaRPr lang="es-PE"/>
+          </a:p>
+        </p:txBody>
+      </p:sp>
+    </p:spTree>
+    <p:extLst>
+      <p:ext uri="{BB962C8B-B14F-4D97-AF65-F5344CB8AC3E}">
+        <p14:creationId xmlns:p14="http://schemas.microsoft.com/office/powerpoint/2010/main" val="552283402"/>
       </p:ext>
     </p:extLst>
   </p:cSld>

--- a/El Destino Alterno.pptx
+++ b/El Destino Alterno.pptx
@@ -10,7 +10,27 @@
     <p:sldId id="257" r:id="rId4"/>
     <p:sldId id="258" r:id="rId5"/>
     <p:sldId id="260" r:id="rId6"/>
-    <p:sldId id="261" r:id="rId7"/>
+    <p:sldId id="268" r:id="rId7"/>
+    <p:sldId id="261" r:id="rId8"/>
+    <p:sldId id="262" r:id="rId9"/>
+    <p:sldId id="263" r:id="rId10"/>
+    <p:sldId id="264" r:id="rId11"/>
+    <p:sldId id="265" r:id="rId12"/>
+    <p:sldId id="266" r:id="rId13"/>
+    <p:sldId id="269" r:id="rId14"/>
+    <p:sldId id="272" r:id="rId15"/>
+    <p:sldId id="271" r:id="rId16"/>
+    <p:sldId id="273" r:id="rId17"/>
+    <p:sldId id="274" r:id="rId18"/>
+    <p:sldId id="275" r:id="rId19"/>
+    <p:sldId id="276" r:id="rId20"/>
+    <p:sldId id="277" r:id="rId21"/>
+    <p:sldId id="278" r:id="rId22"/>
+    <p:sldId id="279" r:id="rId23"/>
+    <p:sldId id="280" r:id="rId24"/>
+    <p:sldId id="281" r:id="rId25"/>
+    <p:sldId id="282" r:id="rId26"/>
+    <p:sldId id="283" r:id="rId27"/>
   </p:sldIdLst>
   <p:sldSz cx="12192000" cy="6858000"/>
   <p:notesSz cx="6858000" cy="9144000"/>
@@ -3421,6 +3441,846 @@
 </p:sld>
 </file>
 
+<file path=ppt/slides/slide10.xml><?xml version="1.0" encoding="utf-8"?>
+<p:sld xmlns:a="http://schemas.openxmlformats.org/drawingml/2006/main" xmlns:r="http://schemas.openxmlformats.org/officeDocument/2006/relationships" xmlns:p="http://schemas.openxmlformats.org/presentationml/2006/main">
+  <p:cSld>
+    <p:spTree>
+      <p:nvGrpSpPr>
+        <p:cNvPr id="1" name=""/>
+        <p:cNvGrpSpPr/>
+        <p:nvPr/>
+      </p:nvGrpSpPr>
+      <p:grpSpPr>
+        <a:xfrm>
+          <a:off x="0" y="0"/>
+          <a:ext cx="0" cy="0"/>
+          <a:chOff x="0" y="0"/>
+          <a:chExt cx="0" cy="0"/>
+        </a:xfrm>
+      </p:grpSpPr>
+      <p:sp>
+        <p:nvSpPr>
+          <p:cNvPr id="2" name="Title 1">
+            <a:extLst>
+              <a:ext uri="{FF2B5EF4-FFF2-40B4-BE49-F238E27FC236}">
+                <a16:creationId xmlns:a16="http://schemas.microsoft.com/office/drawing/2014/main" id="{3591609F-E004-493B-9489-09A833245A43}"/>
+              </a:ext>
+            </a:extLst>
+          </p:cNvPr>
+          <p:cNvSpPr>
+            <a:spLocks noGrp="1"/>
+          </p:cNvSpPr>
+          <p:nvPr>
+            <p:ph type="title"/>
+          </p:nvPr>
+        </p:nvSpPr>
+        <p:spPr/>
+        <p:txBody>
+          <a:bodyPr/>
+          <a:lstStyle/>
+          <a:p>
+            <a:r>
+              <a:rPr lang="es-PE" dirty="0" err="1"/>
+              <a:t>Contientes</a:t>
+            </a:r>
+            <a:endParaRPr lang="es-PE" dirty="0"/>
+          </a:p>
+        </p:txBody>
+      </p:sp>
+      <p:sp>
+        <p:nvSpPr>
+          <p:cNvPr id="3" name="Content Placeholder 2">
+            <a:extLst>
+              <a:ext uri="{FF2B5EF4-FFF2-40B4-BE49-F238E27FC236}">
+                <a16:creationId xmlns:a16="http://schemas.microsoft.com/office/drawing/2014/main" id="{19C8C1C9-741F-4230-94B3-C7112B67D31F}"/>
+              </a:ext>
+            </a:extLst>
+          </p:cNvPr>
+          <p:cNvSpPr>
+            <a:spLocks noGrp="1"/>
+          </p:cNvSpPr>
+          <p:nvPr>
+            <p:ph idx="1"/>
+          </p:nvPr>
+        </p:nvSpPr>
+        <p:spPr/>
+        <p:txBody>
+          <a:bodyPr/>
+          <a:lstStyle/>
+          <a:p>
+            <a:endParaRPr lang="es-PE"/>
+          </a:p>
+        </p:txBody>
+      </p:sp>
+    </p:spTree>
+    <p:extLst>
+      <p:ext uri="{BB962C8B-B14F-4D97-AF65-F5344CB8AC3E}">
+        <p14:creationId xmlns:p14="http://schemas.microsoft.com/office/powerpoint/2010/main" val="3197227427"/>
+      </p:ext>
+    </p:extLst>
+  </p:cSld>
+  <p:clrMapOvr>
+    <a:masterClrMapping/>
+  </p:clrMapOvr>
+</p:sld>
+</file>
+
+<file path=ppt/slides/slide11.xml><?xml version="1.0" encoding="utf-8"?>
+<p:sld xmlns:a="http://schemas.openxmlformats.org/drawingml/2006/main" xmlns:r="http://schemas.openxmlformats.org/officeDocument/2006/relationships" xmlns:p="http://schemas.openxmlformats.org/presentationml/2006/main">
+  <p:cSld>
+    <p:spTree>
+      <p:nvGrpSpPr>
+        <p:cNvPr id="1" name=""/>
+        <p:cNvGrpSpPr/>
+        <p:nvPr/>
+      </p:nvGrpSpPr>
+      <p:grpSpPr>
+        <a:xfrm>
+          <a:off x="0" y="0"/>
+          <a:ext cx="0" cy="0"/>
+          <a:chOff x="0" y="0"/>
+          <a:chExt cx="0" cy="0"/>
+        </a:xfrm>
+      </p:grpSpPr>
+      <p:sp>
+        <p:nvSpPr>
+          <p:cNvPr id="2" name="Title 1">
+            <a:extLst>
+              <a:ext uri="{FF2B5EF4-FFF2-40B4-BE49-F238E27FC236}">
+                <a16:creationId xmlns:a16="http://schemas.microsoft.com/office/drawing/2014/main" id="{D7BD59B4-C7F7-4587-A4D9-11BCD7645FF9}"/>
+              </a:ext>
+            </a:extLst>
+          </p:cNvPr>
+          <p:cNvSpPr>
+            <a:spLocks noGrp="1"/>
+          </p:cNvSpPr>
+          <p:nvPr>
+            <p:ph type="title"/>
+          </p:nvPr>
+        </p:nvSpPr>
+        <p:spPr/>
+        <p:txBody>
+          <a:bodyPr/>
+          <a:lstStyle/>
+          <a:p>
+            <a:r>
+              <a:rPr lang="es-PE" dirty="0"/>
+              <a:t>Auspiciadores </a:t>
+            </a:r>
+          </a:p>
+        </p:txBody>
+      </p:sp>
+      <p:sp>
+        <p:nvSpPr>
+          <p:cNvPr id="3" name="Content Placeholder 2">
+            <a:extLst>
+              <a:ext uri="{FF2B5EF4-FFF2-40B4-BE49-F238E27FC236}">
+                <a16:creationId xmlns:a16="http://schemas.microsoft.com/office/drawing/2014/main" id="{7F2667C4-6EE8-4513-905A-EE5F540F1253}"/>
+              </a:ext>
+            </a:extLst>
+          </p:cNvPr>
+          <p:cNvSpPr>
+            <a:spLocks noGrp="1"/>
+          </p:cNvSpPr>
+          <p:nvPr>
+            <p:ph idx="1"/>
+          </p:nvPr>
+        </p:nvSpPr>
+        <p:spPr/>
+        <p:txBody>
+          <a:bodyPr/>
+          <a:lstStyle/>
+          <a:p>
+            <a:endParaRPr lang="es-PE"/>
+          </a:p>
+        </p:txBody>
+      </p:sp>
+    </p:spTree>
+    <p:extLst>
+      <p:ext uri="{BB962C8B-B14F-4D97-AF65-F5344CB8AC3E}">
+        <p14:creationId xmlns:p14="http://schemas.microsoft.com/office/powerpoint/2010/main" val="696853122"/>
+      </p:ext>
+    </p:extLst>
+  </p:cSld>
+  <p:clrMapOvr>
+    <a:masterClrMapping/>
+  </p:clrMapOvr>
+</p:sld>
+</file>
+
+<file path=ppt/slides/slide12.xml><?xml version="1.0" encoding="utf-8"?>
+<p:sld xmlns:a="http://schemas.openxmlformats.org/drawingml/2006/main" xmlns:r="http://schemas.openxmlformats.org/officeDocument/2006/relationships" xmlns:p="http://schemas.openxmlformats.org/presentationml/2006/main">
+  <p:cSld>
+    <p:spTree>
+      <p:nvGrpSpPr>
+        <p:cNvPr id="1" name=""/>
+        <p:cNvGrpSpPr/>
+        <p:nvPr/>
+      </p:nvGrpSpPr>
+      <p:grpSpPr>
+        <a:xfrm>
+          <a:off x="0" y="0"/>
+          <a:ext cx="0" cy="0"/>
+          <a:chOff x="0" y="0"/>
+          <a:chExt cx="0" cy="0"/>
+        </a:xfrm>
+      </p:grpSpPr>
+      <p:sp>
+        <p:nvSpPr>
+          <p:cNvPr id="2" name="Title 1">
+            <a:extLst>
+              <a:ext uri="{FF2B5EF4-FFF2-40B4-BE49-F238E27FC236}">
+                <a16:creationId xmlns:a16="http://schemas.microsoft.com/office/drawing/2014/main" id="{8B28D29A-1793-4EF2-935F-AD779ADB9B79}"/>
+              </a:ext>
+            </a:extLst>
+          </p:cNvPr>
+          <p:cNvSpPr>
+            <a:spLocks noGrp="1"/>
+          </p:cNvSpPr>
+          <p:nvPr>
+            <p:ph type="title"/>
+          </p:nvPr>
+        </p:nvSpPr>
+        <p:spPr/>
+        <p:txBody>
+          <a:bodyPr/>
+          <a:lstStyle/>
+          <a:p>
+            <a:r>
+              <a:rPr lang="es-PE" dirty="0"/>
+              <a:t>Sociales</a:t>
+            </a:r>
+          </a:p>
+        </p:txBody>
+      </p:sp>
+      <p:sp>
+        <p:nvSpPr>
+          <p:cNvPr id="3" name="Content Placeholder 2">
+            <a:extLst>
+              <a:ext uri="{FF2B5EF4-FFF2-40B4-BE49-F238E27FC236}">
+                <a16:creationId xmlns:a16="http://schemas.microsoft.com/office/drawing/2014/main" id="{7467B54A-1AFB-4797-B06E-9E9ECB2B2E73}"/>
+              </a:ext>
+            </a:extLst>
+          </p:cNvPr>
+          <p:cNvSpPr>
+            <a:spLocks noGrp="1"/>
+          </p:cNvSpPr>
+          <p:nvPr>
+            <p:ph idx="1"/>
+          </p:nvPr>
+        </p:nvSpPr>
+        <p:spPr/>
+        <p:txBody>
+          <a:bodyPr/>
+          <a:lstStyle/>
+          <a:p>
+            <a:endParaRPr lang="es-PE" dirty="0"/>
+          </a:p>
+        </p:txBody>
+      </p:sp>
+    </p:spTree>
+    <p:extLst>
+      <p:ext uri="{BB962C8B-B14F-4D97-AF65-F5344CB8AC3E}">
+        <p14:creationId xmlns:p14="http://schemas.microsoft.com/office/powerpoint/2010/main" val="4182427274"/>
+      </p:ext>
+    </p:extLst>
+  </p:cSld>
+  <p:clrMapOvr>
+    <a:masterClrMapping/>
+  </p:clrMapOvr>
+</p:sld>
+</file>
+
+<file path=ppt/slides/slide13.xml><?xml version="1.0" encoding="utf-8"?>
+<p:sld xmlns:a="http://schemas.openxmlformats.org/drawingml/2006/main" xmlns:r="http://schemas.openxmlformats.org/officeDocument/2006/relationships" xmlns:p="http://schemas.openxmlformats.org/presentationml/2006/main">
+  <p:cSld>
+    <p:spTree>
+      <p:nvGrpSpPr>
+        <p:cNvPr id="1" name=""/>
+        <p:cNvGrpSpPr/>
+        <p:nvPr/>
+      </p:nvGrpSpPr>
+      <p:grpSpPr>
+        <a:xfrm>
+          <a:off x="0" y="0"/>
+          <a:ext cx="0" cy="0"/>
+          <a:chOff x="0" y="0"/>
+          <a:chExt cx="0" cy="0"/>
+        </a:xfrm>
+      </p:grpSpPr>
+      <p:sp>
+        <p:nvSpPr>
+          <p:cNvPr id="4" name="Title 3">
+            <a:extLst>
+              <a:ext uri="{FF2B5EF4-FFF2-40B4-BE49-F238E27FC236}">
+                <a16:creationId xmlns:a16="http://schemas.microsoft.com/office/drawing/2014/main" id="{27DC3298-12D8-45DE-A2C2-166C5D94370D}"/>
+              </a:ext>
+            </a:extLst>
+          </p:cNvPr>
+          <p:cNvSpPr>
+            <a:spLocks noGrp="1"/>
+          </p:cNvSpPr>
+          <p:nvPr>
+            <p:ph type="title"/>
+          </p:nvPr>
+        </p:nvSpPr>
+        <p:spPr/>
+        <p:txBody>
+          <a:bodyPr/>
+          <a:lstStyle/>
+          <a:p>
+            <a:r>
+              <a:rPr lang="es-PE" dirty="0"/>
+              <a:t>Pagina de Continentes y </a:t>
+            </a:r>
+            <a:r>
+              <a:rPr lang="es-PE" dirty="0" err="1"/>
+              <a:t>Paises</a:t>
+            </a:r>
+            <a:endParaRPr lang="es-PE" dirty="0"/>
+          </a:p>
+        </p:txBody>
+      </p:sp>
+      <p:sp>
+        <p:nvSpPr>
+          <p:cNvPr id="5" name="Text Placeholder 4">
+            <a:extLst>
+              <a:ext uri="{FF2B5EF4-FFF2-40B4-BE49-F238E27FC236}">
+                <a16:creationId xmlns:a16="http://schemas.microsoft.com/office/drawing/2014/main" id="{33F5A070-CAD5-42AC-8EC3-83B35D130D9C}"/>
+              </a:ext>
+            </a:extLst>
+          </p:cNvPr>
+          <p:cNvSpPr>
+            <a:spLocks noGrp="1"/>
+          </p:cNvSpPr>
+          <p:nvPr>
+            <p:ph type="body" idx="1"/>
+          </p:nvPr>
+        </p:nvSpPr>
+        <p:spPr/>
+        <p:txBody>
+          <a:bodyPr/>
+          <a:lstStyle/>
+          <a:p>
+            <a:endParaRPr lang="es-PE"/>
+          </a:p>
+        </p:txBody>
+      </p:sp>
+    </p:spTree>
+    <p:extLst>
+      <p:ext uri="{BB962C8B-B14F-4D97-AF65-F5344CB8AC3E}">
+        <p14:creationId xmlns:p14="http://schemas.microsoft.com/office/powerpoint/2010/main" val="2259603262"/>
+      </p:ext>
+    </p:extLst>
+  </p:cSld>
+  <p:clrMapOvr>
+    <a:masterClrMapping/>
+  </p:clrMapOvr>
+</p:sld>
+</file>
+
+<file path=ppt/slides/slide14.xml><?xml version="1.0" encoding="utf-8"?>
+<p:sld xmlns:a="http://schemas.openxmlformats.org/drawingml/2006/main" xmlns:r="http://schemas.openxmlformats.org/officeDocument/2006/relationships" xmlns:p="http://schemas.openxmlformats.org/presentationml/2006/main">
+  <p:cSld>
+    <p:spTree>
+      <p:nvGrpSpPr>
+        <p:cNvPr id="1" name=""/>
+        <p:cNvGrpSpPr/>
+        <p:nvPr/>
+      </p:nvGrpSpPr>
+      <p:grpSpPr>
+        <a:xfrm>
+          <a:off x="0" y="0"/>
+          <a:ext cx="0" cy="0"/>
+          <a:chOff x="0" y="0"/>
+          <a:chExt cx="0" cy="0"/>
+        </a:xfrm>
+      </p:grpSpPr>
+      <p:sp>
+        <p:nvSpPr>
+          <p:cNvPr id="2" name="Title 1">
+            <a:extLst>
+              <a:ext uri="{FF2B5EF4-FFF2-40B4-BE49-F238E27FC236}">
+                <a16:creationId xmlns:a16="http://schemas.microsoft.com/office/drawing/2014/main" id="{6A0F969B-512F-4B64-A563-C877C9D25E36}"/>
+              </a:ext>
+            </a:extLst>
+          </p:cNvPr>
+          <p:cNvSpPr>
+            <a:spLocks noGrp="1"/>
+          </p:cNvSpPr>
+          <p:nvPr>
+            <p:ph type="title"/>
+          </p:nvPr>
+        </p:nvSpPr>
+        <p:spPr/>
+        <p:txBody>
+          <a:bodyPr/>
+          <a:lstStyle/>
+          <a:p>
+            <a:r>
+              <a:rPr lang="es-PE" dirty="0"/>
+              <a:t>Articulo de Continente y País </a:t>
+            </a:r>
+          </a:p>
+        </p:txBody>
+      </p:sp>
+      <p:sp>
+        <p:nvSpPr>
+          <p:cNvPr id="3" name="Content Placeholder 2">
+            <a:extLst>
+              <a:ext uri="{FF2B5EF4-FFF2-40B4-BE49-F238E27FC236}">
+                <a16:creationId xmlns:a16="http://schemas.microsoft.com/office/drawing/2014/main" id="{94F6B843-56DD-4889-9C03-6AEF43E048E0}"/>
+              </a:ext>
+            </a:extLst>
+          </p:cNvPr>
+          <p:cNvSpPr>
+            <a:spLocks noGrp="1"/>
+          </p:cNvSpPr>
+          <p:nvPr>
+            <p:ph idx="1"/>
+          </p:nvPr>
+        </p:nvSpPr>
+        <p:spPr/>
+        <p:txBody>
+          <a:bodyPr/>
+          <a:lstStyle/>
+          <a:p>
+            <a:endParaRPr lang="es-PE" dirty="0"/>
+          </a:p>
+        </p:txBody>
+      </p:sp>
+    </p:spTree>
+    <p:extLst>
+      <p:ext uri="{BB962C8B-B14F-4D97-AF65-F5344CB8AC3E}">
+        <p14:creationId xmlns:p14="http://schemas.microsoft.com/office/powerpoint/2010/main" val="1351228701"/>
+      </p:ext>
+    </p:extLst>
+  </p:cSld>
+  <p:clrMapOvr>
+    <a:masterClrMapping/>
+  </p:clrMapOvr>
+</p:sld>
+</file>
+
+<file path=ppt/slides/slide15.xml><?xml version="1.0" encoding="utf-8"?>
+<p:sld xmlns:a="http://schemas.openxmlformats.org/drawingml/2006/main" xmlns:r="http://schemas.openxmlformats.org/officeDocument/2006/relationships" xmlns:p="http://schemas.openxmlformats.org/presentationml/2006/main">
+  <p:cSld>
+    <p:spTree>
+      <p:nvGrpSpPr>
+        <p:cNvPr id="1" name=""/>
+        <p:cNvGrpSpPr/>
+        <p:nvPr/>
+      </p:nvGrpSpPr>
+      <p:grpSpPr>
+        <a:xfrm>
+          <a:off x="0" y="0"/>
+          <a:ext cx="0" cy="0"/>
+          <a:chOff x="0" y="0"/>
+          <a:chExt cx="0" cy="0"/>
+        </a:xfrm>
+      </p:grpSpPr>
+      <p:sp>
+        <p:nvSpPr>
+          <p:cNvPr id="2" name="Title 1">
+            <a:extLst>
+              <a:ext uri="{FF2B5EF4-FFF2-40B4-BE49-F238E27FC236}">
+                <a16:creationId xmlns:a16="http://schemas.microsoft.com/office/drawing/2014/main" id="{78C1977A-058D-4457-B289-47247F42FBA0}"/>
+              </a:ext>
+            </a:extLst>
+          </p:cNvPr>
+          <p:cNvSpPr>
+            <a:spLocks noGrp="1"/>
+          </p:cNvSpPr>
+          <p:nvPr>
+            <p:ph type="title"/>
+          </p:nvPr>
+        </p:nvSpPr>
+        <p:spPr/>
+        <p:txBody>
+          <a:bodyPr/>
+          <a:lstStyle/>
+          <a:p>
+            <a:r>
+              <a:rPr lang="es-PE" dirty="0" err="1"/>
+              <a:t>Features</a:t>
+            </a:r>
+            <a:r>
+              <a:rPr lang="es-PE" dirty="0"/>
+              <a:t> de Ciudades</a:t>
+            </a:r>
+          </a:p>
+        </p:txBody>
+      </p:sp>
+      <p:sp>
+        <p:nvSpPr>
+          <p:cNvPr id="3" name="Content Placeholder 2">
+            <a:extLst>
+              <a:ext uri="{FF2B5EF4-FFF2-40B4-BE49-F238E27FC236}">
+                <a16:creationId xmlns:a16="http://schemas.microsoft.com/office/drawing/2014/main" id="{121A17FD-A5D0-4EA8-ABC4-BE7A29555F30}"/>
+              </a:ext>
+            </a:extLst>
+          </p:cNvPr>
+          <p:cNvSpPr>
+            <a:spLocks noGrp="1"/>
+          </p:cNvSpPr>
+          <p:nvPr>
+            <p:ph idx="1"/>
+          </p:nvPr>
+        </p:nvSpPr>
+        <p:spPr/>
+        <p:txBody>
+          <a:bodyPr/>
+          <a:lstStyle/>
+          <a:p>
+            <a:endParaRPr lang="es-PE"/>
+          </a:p>
+        </p:txBody>
+      </p:sp>
+    </p:spTree>
+    <p:extLst>
+      <p:ext uri="{BB962C8B-B14F-4D97-AF65-F5344CB8AC3E}">
+        <p14:creationId xmlns:p14="http://schemas.microsoft.com/office/powerpoint/2010/main" val="3938235728"/>
+      </p:ext>
+    </p:extLst>
+  </p:cSld>
+  <p:clrMapOvr>
+    <a:masterClrMapping/>
+  </p:clrMapOvr>
+</p:sld>
+</file>
+
+<file path=ppt/slides/slide16.xml><?xml version="1.0" encoding="utf-8"?>
+<p:sld xmlns:a="http://schemas.openxmlformats.org/drawingml/2006/main" xmlns:r="http://schemas.openxmlformats.org/officeDocument/2006/relationships" xmlns:p="http://schemas.openxmlformats.org/presentationml/2006/main">
+  <p:cSld>
+    <p:spTree>
+      <p:nvGrpSpPr>
+        <p:cNvPr id="1" name=""/>
+        <p:cNvGrpSpPr/>
+        <p:nvPr/>
+      </p:nvGrpSpPr>
+      <p:grpSpPr>
+        <a:xfrm>
+          <a:off x="0" y="0"/>
+          <a:ext cx="0" cy="0"/>
+          <a:chOff x="0" y="0"/>
+          <a:chExt cx="0" cy="0"/>
+        </a:xfrm>
+      </p:grpSpPr>
+      <p:sp>
+        <p:nvSpPr>
+          <p:cNvPr id="2" name="Title 1">
+            <a:extLst>
+              <a:ext uri="{FF2B5EF4-FFF2-40B4-BE49-F238E27FC236}">
+                <a16:creationId xmlns:a16="http://schemas.microsoft.com/office/drawing/2014/main" id="{ED8B2615-8611-4B51-8A55-DE66769C556B}"/>
+              </a:ext>
+            </a:extLst>
+          </p:cNvPr>
+          <p:cNvSpPr>
+            <a:spLocks noGrp="1"/>
+          </p:cNvSpPr>
+          <p:nvPr>
+            <p:ph type="title"/>
+          </p:nvPr>
+        </p:nvSpPr>
+        <p:spPr/>
+        <p:txBody>
+          <a:bodyPr/>
+          <a:lstStyle/>
+          <a:p>
+            <a:r>
+              <a:rPr lang="es-PE" dirty="0"/>
+              <a:t>Ciudades</a:t>
+            </a:r>
+          </a:p>
+        </p:txBody>
+      </p:sp>
+      <p:sp>
+        <p:nvSpPr>
+          <p:cNvPr id="3" name="Text Placeholder 2">
+            <a:extLst>
+              <a:ext uri="{FF2B5EF4-FFF2-40B4-BE49-F238E27FC236}">
+                <a16:creationId xmlns:a16="http://schemas.microsoft.com/office/drawing/2014/main" id="{65791380-07B9-4AD2-87F0-4A6639478976}"/>
+              </a:ext>
+            </a:extLst>
+          </p:cNvPr>
+          <p:cNvSpPr>
+            <a:spLocks noGrp="1"/>
+          </p:cNvSpPr>
+          <p:nvPr>
+            <p:ph type="body" idx="1"/>
+          </p:nvPr>
+        </p:nvSpPr>
+        <p:spPr/>
+        <p:txBody>
+          <a:bodyPr/>
+          <a:lstStyle/>
+          <a:p>
+            <a:endParaRPr lang="es-PE"/>
+          </a:p>
+        </p:txBody>
+      </p:sp>
+    </p:spTree>
+    <p:extLst>
+      <p:ext uri="{BB962C8B-B14F-4D97-AF65-F5344CB8AC3E}">
+        <p14:creationId xmlns:p14="http://schemas.microsoft.com/office/powerpoint/2010/main" val="3122867333"/>
+      </p:ext>
+    </p:extLst>
+  </p:cSld>
+  <p:clrMapOvr>
+    <a:masterClrMapping/>
+  </p:clrMapOvr>
+</p:sld>
+</file>
+
+<file path=ppt/slides/slide17.xml><?xml version="1.0" encoding="utf-8"?>
+<p:sld xmlns:a="http://schemas.openxmlformats.org/drawingml/2006/main" xmlns:r="http://schemas.openxmlformats.org/officeDocument/2006/relationships" xmlns:p="http://schemas.openxmlformats.org/presentationml/2006/main">
+  <p:cSld>
+    <p:spTree>
+      <p:nvGrpSpPr>
+        <p:cNvPr id="1" name=""/>
+        <p:cNvGrpSpPr/>
+        <p:nvPr/>
+      </p:nvGrpSpPr>
+      <p:grpSpPr>
+        <a:xfrm>
+          <a:off x="0" y="0"/>
+          <a:ext cx="0" cy="0"/>
+          <a:chOff x="0" y="0"/>
+          <a:chExt cx="0" cy="0"/>
+        </a:xfrm>
+      </p:grpSpPr>
+      <p:sp>
+        <p:nvSpPr>
+          <p:cNvPr id="2" name="Title 1">
+            <a:extLst>
+              <a:ext uri="{FF2B5EF4-FFF2-40B4-BE49-F238E27FC236}">
+                <a16:creationId xmlns:a16="http://schemas.microsoft.com/office/drawing/2014/main" id="{6D8DE20B-7338-47A7-A7C5-04B7E6B352DB}"/>
+              </a:ext>
+            </a:extLst>
+          </p:cNvPr>
+          <p:cNvSpPr>
+            <a:spLocks noGrp="1"/>
+          </p:cNvSpPr>
+          <p:nvPr>
+            <p:ph type="title"/>
+          </p:nvPr>
+        </p:nvSpPr>
+        <p:spPr/>
+        <p:txBody>
+          <a:bodyPr/>
+          <a:lstStyle/>
+          <a:p>
+            <a:r>
+              <a:rPr lang="es-PE" dirty="0"/>
+              <a:t>Introducción y Comentario de Ciudad</a:t>
+            </a:r>
+          </a:p>
+        </p:txBody>
+      </p:sp>
+      <p:sp>
+        <p:nvSpPr>
+          <p:cNvPr id="3" name="Content Placeholder 2">
+            <a:extLst>
+              <a:ext uri="{FF2B5EF4-FFF2-40B4-BE49-F238E27FC236}">
+                <a16:creationId xmlns:a16="http://schemas.microsoft.com/office/drawing/2014/main" id="{9FB04FA5-7D58-4D44-A8F9-6F302B6FC09F}"/>
+              </a:ext>
+            </a:extLst>
+          </p:cNvPr>
+          <p:cNvSpPr>
+            <a:spLocks noGrp="1"/>
+          </p:cNvSpPr>
+          <p:nvPr>
+            <p:ph idx="1"/>
+          </p:nvPr>
+        </p:nvSpPr>
+        <p:spPr/>
+        <p:txBody>
+          <a:bodyPr/>
+          <a:lstStyle/>
+          <a:p>
+            <a:endParaRPr lang="es-PE"/>
+          </a:p>
+        </p:txBody>
+      </p:sp>
+    </p:spTree>
+    <p:extLst>
+      <p:ext uri="{BB962C8B-B14F-4D97-AF65-F5344CB8AC3E}">
+        <p14:creationId xmlns:p14="http://schemas.microsoft.com/office/powerpoint/2010/main" val="1353643349"/>
+      </p:ext>
+    </p:extLst>
+  </p:cSld>
+  <p:clrMapOvr>
+    <a:masterClrMapping/>
+  </p:clrMapOvr>
+</p:sld>
+</file>
+
+<file path=ppt/slides/slide18.xml><?xml version="1.0" encoding="utf-8"?>
+<p:sld xmlns:a="http://schemas.openxmlformats.org/drawingml/2006/main" xmlns:r="http://schemas.openxmlformats.org/officeDocument/2006/relationships" xmlns:p="http://schemas.openxmlformats.org/presentationml/2006/main">
+  <p:cSld>
+    <p:spTree>
+      <p:nvGrpSpPr>
+        <p:cNvPr id="1" name=""/>
+        <p:cNvGrpSpPr/>
+        <p:nvPr/>
+      </p:nvGrpSpPr>
+      <p:grpSpPr>
+        <a:xfrm>
+          <a:off x="0" y="0"/>
+          <a:ext cx="0" cy="0"/>
+          <a:chOff x="0" y="0"/>
+          <a:chExt cx="0" cy="0"/>
+        </a:xfrm>
+      </p:grpSpPr>
+      <p:sp>
+        <p:nvSpPr>
+          <p:cNvPr id="2" name="Title 1">
+            <a:extLst>
+              <a:ext uri="{FF2B5EF4-FFF2-40B4-BE49-F238E27FC236}">
+                <a16:creationId xmlns:a16="http://schemas.microsoft.com/office/drawing/2014/main" id="{B5944424-0B1B-46FA-96B8-ABF46F75F966}"/>
+              </a:ext>
+            </a:extLst>
+          </p:cNvPr>
+          <p:cNvSpPr>
+            <a:spLocks noGrp="1"/>
+          </p:cNvSpPr>
+          <p:nvPr>
+            <p:ph type="title"/>
+          </p:nvPr>
+        </p:nvSpPr>
+        <p:spPr/>
+        <p:txBody>
+          <a:bodyPr/>
+          <a:lstStyle/>
+          <a:p>
+            <a:r>
+              <a:rPr lang="es-PE" dirty="0"/>
+              <a:t>Sitios Recomendados</a:t>
+            </a:r>
+          </a:p>
+        </p:txBody>
+      </p:sp>
+      <p:sp>
+        <p:nvSpPr>
+          <p:cNvPr id="3" name="Content Placeholder 2">
+            <a:extLst>
+              <a:ext uri="{FF2B5EF4-FFF2-40B4-BE49-F238E27FC236}">
+                <a16:creationId xmlns:a16="http://schemas.microsoft.com/office/drawing/2014/main" id="{4EED50B4-728D-4793-82B5-BF7E9D535D29}"/>
+              </a:ext>
+            </a:extLst>
+          </p:cNvPr>
+          <p:cNvSpPr>
+            <a:spLocks noGrp="1"/>
+          </p:cNvSpPr>
+          <p:nvPr>
+            <p:ph idx="1"/>
+          </p:nvPr>
+        </p:nvSpPr>
+        <p:spPr/>
+        <p:txBody>
+          <a:bodyPr/>
+          <a:lstStyle/>
+          <a:p>
+            <a:endParaRPr lang="es-PE" dirty="0"/>
+          </a:p>
+        </p:txBody>
+      </p:sp>
+    </p:spTree>
+    <p:extLst>
+      <p:ext uri="{BB962C8B-B14F-4D97-AF65-F5344CB8AC3E}">
+        <p14:creationId xmlns:p14="http://schemas.microsoft.com/office/powerpoint/2010/main" val="473870987"/>
+      </p:ext>
+    </p:extLst>
+  </p:cSld>
+  <p:clrMapOvr>
+    <a:masterClrMapping/>
+  </p:clrMapOvr>
+</p:sld>
+</file>
+
+<file path=ppt/slides/slide19.xml><?xml version="1.0" encoding="utf-8"?>
+<p:sld xmlns:a="http://schemas.openxmlformats.org/drawingml/2006/main" xmlns:r="http://schemas.openxmlformats.org/officeDocument/2006/relationships" xmlns:p="http://schemas.openxmlformats.org/presentationml/2006/main">
+  <p:cSld>
+    <p:spTree>
+      <p:nvGrpSpPr>
+        <p:cNvPr id="1" name=""/>
+        <p:cNvGrpSpPr/>
+        <p:nvPr/>
+      </p:nvGrpSpPr>
+      <p:grpSpPr>
+        <a:xfrm>
+          <a:off x="0" y="0"/>
+          <a:ext cx="0" cy="0"/>
+          <a:chOff x="0" y="0"/>
+          <a:chExt cx="0" cy="0"/>
+        </a:xfrm>
+      </p:grpSpPr>
+      <p:sp>
+        <p:nvSpPr>
+          <p:cNvPr id="2" name="Title 1">
+            <a:extLst>
+              <a:ext uri="{FF2B5EF4-FFF2-40B4-BE49-F238E27FC236}">
+                <a16:creationId xmlns:a16="http://schemas.microsoft.com/office/drawing/2014/main" id="{B3D3A1F6-1420-40F1-8147-4B02863D194A}"/>
+              </a:ext>
+            </a:extLst>
+          </p:cNvPr>
+          <p:cNvSpPr>
+            <a:spLocks noGrp="1"/>
+          </p:cNvSpPr>
+          <p:nvPr>
+            <p:ph type="title"/>
+          </p:nvPr>
+        </p:nvSpPr>
+        <p:spPr/>
+        <p:txBody>
+          <a:bodyPr/>
+          <a:lstStyle/>
+          <a:p>
+            <a:r>
+              <a:rPr lang="es-PE" dirty="0"/>
+              <a:t>Otras Sub-Paginas</a:t>
+            </a:r>
+          </a:p>
+        </p:txBody>
+      </p:sp>
+      <p:sp>
+        <p:nvSpPr>
+          <p:cNvPr id="3" name="Text Placeholder 2">
+            <a:extLst>
+              <a:ext uri="{FF2B5EF4-FFF2-40B4-BE49-F238E27FC236}">
+                <a16:creationId xmlns:a16="http://schemas.microsoft.com/office/drawing/2014/main" id="{EE4E9E8D-73E5-4301-816D-6A36471909E9}"/>
+              </a:ext>
+            </a:extLst>
+          </p:cNvPr>
+          <p:cNvSpPr>
+            <a:spLocks noGrp="1"/>
+          </p:cNvSpPr>
+          <p:nvPr>
+            <p:ph type="body" idx="1"/>
+          </p:nvPr>
+        </p:nvSpPr>
+        <p:spPr/>
+        <p:txBody>
+          <a:bodyPr/>
+          <a:lstStyle/>
+          <a:p>
+            <a:endParaRPr lang="es-PE"/>
+          </a:p>
+        </p:txBody>
+      </p:sp>
+    </p:spTree>
+    <p:extLst>
+      <p:ext uri="{BB962C8B-B14F-4D97-AF65-F5344CB8AC3E}">
+        <p14:creationId xmlns:p14="http://schemas.microsoft.com/office/powerpoint/2010/main" val="1368331293"/>
+      </p:ext>
+    </p:extLst>
+  </p:cSld>
+  <p:clrMapOvr>
+    <a:masterClrMapping/>
+  </p:clrMapOvr>
+</p:sld>
+</file>
+
 <file path=ppt/slides/slide2.xml><?xml version="1.0" encoding="utf-8"?>
 <p:sld xmlns:a="http://schemas.openxmlformats.org/drawingml/2006/main" xmlns:r="http://schemas.openxmlformats.org/officeDocument/2006/relationships" xmlns:p="http://schemas.openxmlformats.org/presentationml/2006/main">
   <p:cSld>
@@ -3526,6 +4386,712 @@
     <p:extLst>
       <p:ext uri="{BB962C8B-B14F-4D97-AF65-F5344CB8AC3E}">
         <p14:creationId xmlns:p14="http://schemas.microsoft.com/office/powerpoint/2010/main" val="3329480620"/>
+      </p:ext>
+    </p:extLst>
+  </p:cSld>
+  <p:clrMapOvr>
+    <a:masterClrMapping/>
+  </p:clrMapOvr>
+</p:sld>
+</file>
+
+<file path=ppt/slides/slide20.xml><?xml version="1.0" encoding="utf-8"?>
+<p:sld xmlns:a="http://schemas.openxmlformats.org/drawingml/2006/main" xmlns:r="http://schemas.openxmlformats.org/officeDocument/2006/relationships" xmlns:p="http://schemas.openxmlformats.org/presentationml/2006/main">
+  <p:cSld>
+    <p:spTree>
+      <p:nvGrpSpPr>
+        <p:cNvPr id="1" name=""/>
+        <p:cNvGrpSpPr/>
+        <p:nvPr/>
+      </p:nvGrpSpPr>
+      <p:grpSpPr>
+        <a:xfrm>
+          <a:off x="0" y="0"/>
+          <a:ext cx="0" cy="0"/>
+          <a:chOff x="0" y="0"/>
+          <a:chExt cx="0" cy="0"/>
+        </a:xfrm>
+      </p:grpSpPr>
+      <p:sp>
+        <p:nvSpPr>
+          <p:cNvPr id="2" name="Title 1">
+            <a:extLst>
+              <a:ext uri="{FF2B5EF4-FFF2-40B4-BE49-F238E27FC236}">
+                <a16:creationId xmlns:a16="http://schemas.microsoft.com/office/drawing/2014/main" id="{DC206E45-3F59-4607-84F8-F41DEA91DB0E}"/>
+              </a:ext>
+            </a:extLst>
+          </p:cNvPr>
+          <p:cNvSpPr>
+            <a:spLocks noGrp="1"/>
+          </p:cNvSpPr>
+          <p:nvPr>
+            <p:ph type="title"/>
+          </p:nvPr>
+        </p:nvSpPr>
+        <p:spPr/>
+        <p:txBody>
+          <a:bodyPr/>
+          <a:lstStyle/>
+          <a:p>
+            <a:r>
+              <a:rPr lang="es-PE" dirty="0"/>
+              <a:t>Blog</a:t>
+            </a:r>
+          </a:p>
+        </p:txBody>
+      </p:sp>
+      <p:sp>
+        <p:nvSpPr>
+          <p:cNvPr id="3" name="Content Placeholder 2">
+            <a:extLst>
+              <a:ext uri="{FF2B5EF4-FFF2-40B4-BE49-F238E27FC236}">
+                <a16:creationId xmlns:a16="http://schemas.microsoft.com/office/drawing/2014/main" id="{07A7E3A7-1AF0-4511-9777-DEBFFD4865A5}"/>
+              </a:ext>
+            </a:extLst>
+          </p:cNvPr>
+          <p:cNvSpPr>
+            <a:spLocks noGrp="1"/>
+          </p:cNvSpPr>
+          <p:nvPr>
+            <p:ph idx="1"/>
+          </p:nvPr>
+        </p:nvSpPr>
+        <p:spPr/>
+        <p:txBody>
+          <a:bodyPr/>
+          <a:lstStyle/>
+          <a:p>
+            <a:endParaRPr lang="es-PE"/>
+          </a:p>
+        </p:txBody>
+      </p:sp>
+    </p:spTree>
+    <p:extLst>
+      <p:ext uri="{BB962C8B-B14F-4D97-AF65-F5344CB8AC3E}">
+        <p14:creationId xmlns:p14="http://schemas.microsoft.com/office/powerpoint/2010/main" val="1631036451"/>
+      </p:ext>
+    </p:extLst>
+  </p:cSld>
+  <p:clrMapOvr>
+    <a:masterClrMapping/>
+  </p:clrMapOvr>
+</p:sld>
+</file>
+
+<file path=ppt/slides/slide21.xml><?xml version="1.0" encoding="utf-8"?>
+<p:sld xmlns:a="http://schemas.openxmlformats.org/drawingml/2006/main" xmlns:r="http://schemas.openxmlformats.org/officeDocument/2006/relationships" xmlns:p="http://schemas.openxmlformats.org/presentationml/2006/main">
+  <p:cSld>
+    <p:spTree>
+      <p:nvGrpSpPr>
+        <p:cNvPr id="1" name=""/>
+        <p:cNvGrpSpPr/>
+        <p:nvPr/>
+      </p:nvGrpSpPr>
+      <p:grpSpPr>
+        <a:xfrm>
+          <a:off x="0" y="0"/>
+          <a:ext cx="0" cy="0"/>
+          <a:chOff x="0" y="0"/>
+          <a:chExt cx="0" cy="0"/>
+        </a:xfrm>
+      </p:grpSpPr>
+      <p:sp>
+        <p:nvSpPr>
+          <p:cNvPr id="2" name="Title 1">
+            <a:extLst>
+              <a:ext uri="{FF2B5EF4-FFF2-40B4-BE49-F238E27FC236}">
+                <a16:creationId xmlns:a16="http://schemas.microsoft.com/office/drawing/2014/main" id="{BB642C85-C9AF-4DA7-B686-F093C72F9C95}"/>
+              </a:ext>
+            </a:extLst>
+          </p:cNvPr>
+          <p:cNvSpPr>
+            <a:spLocks noGrp="1"/>
+          </p:cNvSpPr>
+          <p:nvPr>
+            <p:ph type="title"/>
+          </p:nvPr>
+        </p:nvSpPr>
+        <p:spPr/>
+        <p:txBody>
+          <a:bodyPr/>
+          <a:lstStyle/>
+          <a:p>
+            <a:r>
+              <a:rPr lang="es-PE" dirty="0"/>
+              <a:t>Contacto</a:t>
+            </a:r>
+          </a:p>
+        </p:txBody>
+      </p:sp>
+      <p:sp>
+        <p:nvSpPr>
+          <p:cNvPr id="3" name="Content Placeholder 2">
+            <a:extLst>
+              <a:ext uri="{FF2B5EF4-FFF2-40B4-BE49-F238E27FC236}">
+                <a16:creationId xmlns:a16="http://schemas.microsoft.com/office/drawing/2014/main" id="{CCF80FC1-FC14-40EE-B7BF-9D9138D5FB9A}"/>
+              </a:ext>
+            </a:extLst>
+          </p:cNvPr>
+          <p:cNvSpPr>
+            <a:spLocks noGrp="1"/>
+          </p:cNvSpPr>
+          <p:nvPr>
+            <p:ph idx="1"/>
+          </p:nvPr>
+        </p:nvSpPr>
+        <p:spPr/>
+        <p:txBody>
+          <a:bodyPr/>
+          <a:lstStyle/>
+          <a:p>
+            <a:endParaRPr lang="es-PE"/>
+          </a:p>
+        </p:txBody>
+      </p:sp>
+    </p:spTree>
+    <p:extLst>
+      <p:ext uri="{BB962C8B-B14F-4D97-AF65-F5344CB8AC3E}">
+        <p14:creationId xmlns:p14="http://schemas.microsoft.com/office/powerpoint/2010/main" val="660365787"/>
+      </p:ext>
+    </p:extLst>
+  </p:cSld>
+  <p:clrMapOvr>
+    <a:masterClrMapping/>
+  </p:clrMapOvr>
+</p:sld>
+</file>
+
+<file path=ppt/slides/slide22.xml><?xml version="1.0" encoding="utf-8"?>
+<p:sld xmlns:a="http://schemas.openxmlformats.org/drawingml/2006/main" xmlns:r="http://schemas.openxmlformats.org/officeDocument/2006/relationships" xmlns:p="http://schemas.openxmlformats.org/presentationml/2006/main">
+  <p:cSld>
+    <p:spTree>
+      <p:nvGrpSpPr>
+        <p:cNvPr id="1" name=""/>
+        <p:cNvGrpSpPr/>
+        <p:nvPr/>
+      </p:nvGrpSpPr>
+      <p:grpSpPr>
+        <a:xfrm>
+          <a:off x="0" y="0"/>
+          <a:ext cx="0" cy="0"/>
+          <a:chOff x="0" y="0"/>
+          <a:chExt cx="0" cy="0"/>
+        </a:xfrm>
+      </p:grpSpPr>
+      <p:sp>
+        <p:nvSpPr>
+          <p:cNvPr id="2" name="Title 1">
+            <a:extLst>
+              <a:ext uri="{FF2B5EF4-FFF2-40B4-BE49-F238E27FC236}">
+                <a16:creationId xmlns:a16="http://schemas.microsoft.com/office/drawing/2014/main" id="{277945A7-DA9A-4943-B266-7977E3A487F4}"/>
+              </a:ext>
+            </a:extLst>
+          </p:cNvPr>
+          <p:cNvSpPr>
+            <a:spLocks noGrp="1"/>
+          </p:cNvSpPr>
+          <p:nvPr>
+            <p:ph type="title"/>
+          </p:nvPr>
+        </p:nvSpPr>
+        <p:spPr/>
+        <p:txBody>
+          <a:bodyPr/>
+          <a:lstStyle/>
+          <a:p>
+            <a:r>
+              <a:rPr lang="es-PE" dirty="0"/>
+              <a:t>Destinos</a:t>
+            </a:r>
+          </a:p>
+        </p:txBody>
+      </p:sp>
+      <p:sp>
+        <p:nvSpPr>
+          <p:cNvPr id="3" name="Content Placeholder 2">
+            <a:extLst>
+              <a:ext uri="{FF2B5EF4-FFF2-40B4-BE49-F238E27FC236}">
+                <a16:creationId xmlns:a16="http://schemas.microsoft.com/office/drawing/2014/main" id="{6ABF8839-5537-4AB0-867B-408A6EADA461}"/>
+              </a:ext>
+            </a:extLst>
+          </p:cNvPr>
+          <p:cNvSpPr>
+            <a:spLocks noGrp="1"/>
+          </p:cNvSpPr>
+          <p:nvPr>
+            <p:ph idx="1"/>
+          </p:nvPr>
+        </p:nvSpPr>
+        <p:spPr/>
+        <p:txBody>
+          <a:bodyPr/>
+          <a:lstStyle/>
+          <a:p>
+            <a:endParaRPr lang="es-PE"/>
+          </a:p>
+        </p:txBody>
+      </p:sp>
+    </p:spTree>
+    <p:extLst>
+      <p:ext uri="{BB962C8B-B14F-4D97-AF65-F5344CB8AC3E}">
+        <p14:creationId xmlns:p14="http://schemas.microsoft.com/office/powerpoint/2010/main" val="2616182718"/>
+      </p:ext>
+    </p:extLst>
+  </p:cSld>
+  <p:clrMapOvr>
+    <a:masterClrMapping/>
+  </p:clrMapOvr>
+</p:sld>
+</file>
+
+<file path=ppt/slides/slide23.xml><?xml version="1.0" encoding="utf-8"?>
+<p:sld xmlns:a="http://schemas.openxmlformats.org/drawingml/2006/main" xmlns:r="http://schemas.openxmlformats.org/officeDocument/2006/relationships" xmlns:p="http://schemas.openxmlformats.org/presentationml/2006/main">
+  <p:cSld>
+    <p:spTree>
+      <p:nvGrpSpPr>
+        <p:cNvPr id="1" name=""/>
+        <p:cNvGrpSpPr/>
+        <p:nvPr/>
+      </p:nvGrpSpPr>
+      <p:grpSpPr>
+        <a:xfrm>
+          <a:off x="0" y="0"/>
+          <a:ext cx="0" cy="0"/>
+          <a:chOff x="0" y="0"/>
+          <a:chExt cx="0" cy="0"/>
+        </a:xfrm>
+      </p:grpSpPr>
+      <p:sp>
+        <p:nvSpPr>
+          <p:cNvPr id="2" name="Title 1">
+            <a:extLst>
+              <a:ext uri="{FF2B5EF4-FFF2-40B4-BE49-F238E27FC236}">
+                <a16:creationId xmlns:a16="http://schemas.microsoft.com/office/drawing/2014/main" id="{CB4B01E8-4B67-4A77-BB67-B3BDAF672516}"/>
+              </a:ext>
+            </a:extLst>
+          </p:cNvPr>
+          <p:cNvSpPr>
+            <a:spLocks noGrp="1"/>
+          </p:cNvSpPr>
+          <p:nvPr>
+            <p:ph type="title"/>
+          </p:nvPr>
+        </p:nvSpPr>
+        <p:spPr/>
+        <p:txBody>
+          <a:bodyPr/>
+          <a:lstStyle/>
+          <a:p>
+            <a:r>
+              <a:rPr lang="es-PE" dirty="0"/>
+              <a:t>Soporte de Tamaño de Pantalla</a:t>
+            </a:r>
+          </a:p>
+        </p:txBody>
+      </p:sp>
+      <p:sp>
+        <p:nvSpPr>
+          <p:cNvPr id="3" name="Text Placeholder 2">
+            <a:extLst>
+              <a:ext uri="{FF2B5EF4-FFF2-40B4-BE49-F238E27FC236}">
+                <a16:creationId xmlns:a16="http://schemas.microsoft.com/office/drawing/2014/main" id="{30F7AA6A-B6B2-406B-98C8-71ABD8945240}"/>
+              </a:ext>
+            </a:extLst>
+          </p:cNvPr>
+          <p:cNvSpPr>
+            <a:spLocks noGrp="1"/>
+          </p:cNvSpPr>
+          <p:nvPr>
+            <p:ph type="body" idx="1"/>
+          </p:nvPr>
+        </p:nvSpPr>
+        <p:spPr/>
+        <p:txBody>
+          <a:bodyPr/>
+          <a:lstStyle/>
+          <a:p>
+            <a:endParaRPr lang="es-PE"/>
+          </a:p>
+        </p:txBody>
+      </p:sp>
+    </p:spTree>
+    <p:extLst>
+      <p:ext uri="{BB962C8B-B14F-4D97-AF65-F5344CB8AC3E}">
+        <p14:creationId xmlns:p14="http://schemas.microsoft.com/office/powerpoint/2010/main" val="2226576459"/>
+      </p:ext>
+    </p:extLst>
+  </p:cSld>
+  <p:clrMapOvr>
+    <a:masterClrMapping/>
+  </p:clrMapOvr>
+</p:sld>
+</file>
+
+<file path=ppt/slides/slide24.xml><?xml version="1.0" encoding="utf-8"?>
+<p:sld xmlns:a="http://schemas.openxmlformats.org/drawingml/2006/main" xmlns:r="http://schemas.openxmlformats.org/officeDocument/2006/relationships" xmlns:p="http://schemas.openxmlformats.org/presentationml/2006/main">
+  <p:cSld>
+    <p:spTree>
+      <p:nvGrpSpPr>
+        <p:cNvPr id="1" name=""/>
+        <p:cNvGrpSpPr/>
+        <p:nvPr/>
+      </p:nvGrpSpPr>
+      <p:grpSpPr>
+        <a:xfrm>
+          <a:off x="0" y="0"/>
+          <a:ext cx="0" cy="0"/>
+          <a:chOff x="0" y="0"/>
+          <a:chExt cx="0" cy="0"/>
+        </a:xfrm>
+      </p:grpSpPr>
+      <p:sp>
+        <p:nvSpPr>
+          <p:cNvPr id="3" name="Text Placeholder 2">
+            <a:extLst>
+              <a:ext uri="{FF2B5EF4-FFF2-40B4-BE49-F238E27FC236}">
+                <a16:creationId xmlns:a16="http://schemas.microsoft.com/office/drawing/2014/main" id="{5A6A8372-24E5-4FAC-85A8-B16A55635D24}"/>
+              </a:ext>
+            </a:extLst>
+          </p:cNvPr>
+          <p:cNvSpPr>
+            <a:spLocks noGrp="1"/>
+          </p:cNvSpPr>
+          <p:nvPr>
+            <p:ph type="body" idx="1"/>
+          </p:nvPr>
+        </p:nvSpPr>
+        <p:spPr>
+          <a:xfrm>
+            <a:off x="938213" y="179534"/>
+            <a:ext cx="5157787" cy="823912"/>
+          </a:xfrm>
+        </p:spPr>
+        <p:txBody>
+          <a:bodyPr/>
+          <a:lstStyle/>
+          <a:p>
+            <a:r>
+              <a:rPr lang="es-PE" dirty="0"/>
+              <a:t>Escritorio</a:t>
+            </a:r>
+          </a:p>
+        </p:txBody>
+      </p:sp>
+      <p:sp>
+        <p:nvSpPr>
+          <p:cNvPr id="4" name="Content Placeholder 3">
+            <a:extLst>
+              <a:ext uri="{FF2B5EF4-FFF2-40B4-BE49-F238E27FC236}">
+                <a16:creationId xmlns:a16="http://schemas.microsoft.com/office/drawing/2014/main" id="{B68C6E34-D203-4CBD-9C7F-6EC9BAE02E7F}"/>
+              </a:ext>
+            </a:extLst>
+          </p:cNvPr>
+          <p:cNvSpPr>
+            <a:spLocks noGrp="1"/>
+          </p:cNvSpPr>
+          <p:nvPr>
+            <p:ph sz="half" idx="2"/>
+          </p:nvPr>
+        </p:nvSpPr>
+        <p:spPr>
+          <a:xfrm>
+            <a:off x="938213" y="1003446"/>
+            <a:ext cx="5157787" cy="3684588"/>
+          </a:xfrm>
+        </p:spPr>
+        <p:txBody>
+          <a:bodyPr/>
+          <a:lstStyle/>
+          <a:p>
+            <a:endParaRPr lang="es-PE"/>
+          </a:p>
+        </p:txBody>
+      </p:sp>
+      <p:sp>
+        <p:nvSpPr>
+          <p:cNvPr id="5" name="Text Placeholder 4">
+            <a:extLst>
+              <a:ext uri="{FF2B5EF4-FFF2-40B4-BE49-F238E27FC236}">
+                <a16:creationId xmlns:a16="http://schemas.microsoft.com/office/drawing/2014/main" id="{E1D20956-266D-4EF6-A5B4-8DEC6F74FC08}"/>
+              </a:ext>
+            </a:extLst>
+          </p:cNvPr>
+          <p:cNvSpPr>
+            <a:spLocks noGrp="1"/>
+          </p:cNvSpPr>
+          <p:nvPr>
+            <p:ph type="body" sz="quarter" idx="3"/>
+          </p:nvPr>
+        </p:nvSpPr>
+        <p:spPr>
+          <a:xfrm>
+            <a:off x="6270625" y="179534"/>
+            <a:ext cx="5183188" cy="823912"/>
+          </a:xfrm>
+        </p:spPr>
+        <p:txBody>
+          <a:bodyPr/>
+          <a:lstStyle/>
+          <a:p>
+            <a:r>
+              <a:rPr lang="es-PE" dirty="0" err="1"/>
+              <a:t>Telefono</a:t>
+            </a:r>
+            <a:r>
+              <a:rPr lang="es-PE" dirty="0"/>
+              <a:t> </a:t>
+            </a:r>
+            <a:r>
+              <a:rPr lang="es-PE" dirty="0" err="1"/>
+              <a:t>Movil</a:t>
+            </a:r>
+            <a:endParaRPr lang="es-PE" dirty="0"/>
+          </a:p>
+        </p:txBody>
+      </p:sp>
+      <p:sp>
+        <p:nvSpPr>
+          <p:cNvPr id="6" name="Content Placeholder 5">
+            <a:extLst>
+              <a:ext uri="{FF2B5EF4-FFF2-40B4-BE49-F238E27FC236}">
+                <a16:creationId xmlns:a16="http://schemas.microsoft.com/office/drawing/2014/main" id="{CEE2182C-A1B2-4932-9ECC-942CC02B0BBC}"/>
+              </a:ext>
+            </a:extLst>
+          </p:cNvPr>
+          <p:cNvSpPr>
+            <a:spLocks noGrp="1"/>
+          </p:cNvSpPr>
+          <p:nvPr>
+            <p:ph sz="quarter" idx="4"/>
+          </p:nvPr>
+        </p:nvSpPr>
+        <p:spPr>
+          <a:xfrm>
+            <a:off x="6270625" y="1003446"/>
+            <a:ext cx="5183188" cy="3684588"/>
+          </a:xfrm>
+        </p:spPr>
+        <p:txBody>
+          <a:bodyPr/>
+          <a:lstStyle/>
+          <a:p>
+            <a:endParaRPr lang="es-PE"/>
+          </a:p>
+        </p:txBody>
+      </p:sp>
+    </p:spTree>
+    <p:extLst>
+      <p:ext uri="{BB962C8B-B14F-4D97-AF65-F5344CB8AC3E}">
+        <p14:creationId xmlns:p14="http://schemas.microsoft.com/office/powerpoint/2010/main" val="1862365485"/>
+      </p:ext>
+    </p:extLst>
+  </p:cSld>
+  <p:clrMapOvr>
+    <a:masterClrMapping/>
+  </p:clrMapOvr>
+</p:sld>
+</file>
+
+<file path=ppt/slides/slide25.xml><?xml version="1.0" encoding="utf-8"?>
+<p:sld xmlns:a="http://schemas.openxmlformats.org/drawingml/2006/main" xmlns:r="http://schemas.openxmlformats.org/officeDocument/2006/relationships" xmlns:p="http://schemas.openxmlformats.org/presentationml/2006/main">
+  <p:cSld>
+    <p:spTree>
+      <p:nvGrpSpPr>
+        <p:cNvPr id="1" name=""/>
+        <p:cNvGrpSpPr/>
+        <p:nvPr/>
+      </p:nvGrpSpPr>
+      <p:grpSpPr>
+        <a:xfrm>
+          <a:off x="0" y="0"/>
+          <a:ext cx="0" cy="0"/>
+          <a:chOff x="0" y="0"/>
+          <a:chExt cx="0" cy="0"/>
+        </a:xfrm>
+      </p:grpSpPr>
+      <p:sp>
+        <p:nvSpPr>
+          <p:cNvPr id="2" name="Title 1">
+            <a:extLst>
+              <a:ext uri="{FF2B5EF4-FFF2-40B4-BE49-F238E27FC236}">
+                <a16:creationId xmlns:a16="http://schemas.microsoft.com/office/drawing/2014/main" id="{15CB59A0-3678-4CAB-9D0F-0B87CABD2FE1}"/>
+              </a:ext>
+            </a:extLst>
+          </p:cNvPr>
+          <p:cNvSpPr>
+            <a:spLocks noGrp="1"/>
+          </p:cNvSpPr>
+          <p:nvPr>
+            <p:ph type="ctrTitle"/>
+          </p:nvPr>
+        </p:nvSpPr>
+        <p:spPr/>
+        <p:txBody>
+          <a:bodyPr/>
+          <a:lstStyle/>
+          <a:p>
+            <a:r>
+              <a:rPr lang="es-PE" dirty="0"/>
+              <a:t>Estadísticas</a:t>
+            </a:r>
+          </a:p>
+        </p:txBody>
+      </p:sp>
+      <p:sp>
+        <p:nvSpPr>
+          <p:cNvPr id="3" name="Subtitle 2">
+            <a:extLst>
+              <a:ext uri="{FF2B5EF4-FFF2-40B4-BE49-F238E27FC236}">
+                <a16:creationId xmlns:a16="http://schemas.microsoft.com/office/drawing/2014/main" id="{AF120129-6563-439B-B1CC-6B35448749A8}"/>
+              </a:ext>
+            </a:extLst>
+          </p:cNvPr>
+          <p:cNvSpPr>
+            <a:spLocks noGrp="1"/>
+          </p:cNvSpPr>
+          <p:nvPr>
+            <p:ph type="subTitle" idx="1"/>
+          </p:nvPr>
+        </p:nvSpPr>
+        <p:spPr/>
+        <p:txBody>
+          <a:bodyPr/>
+          <a:lstStyle/>
+          <a:p>
+            <a:endParaRPr lang="es-PE"/>
+          </a:p>
+        </p:txBody>
+      </p:sp>
+    </p:spTree>
+    <p:extLst>
+      <p:ext uri="{BB962C8B-B14F-4D97-AF65-F5344CB8AC3E}">
+        <p14:creationId xmlns:p14="http://schemas.microsoft.com/office/powerpoint/2010/main" val="2838487137"/>
+      </p:ext>
+    </p:extLst>
+  </p:cSld>
+  <p:clrMapOvr>
+    <a:masterClrMapping/>
+  </p:clrMapOvr>
+</p:sld>
+</file>
+
+<file path=ppt/slides/slide26.xml><?xml version="1.0" encoding="utf-8"?>
+<p:sld xmlns:a="http://schemas.openxmlformats.org/drawingml/2006/main" xmlns:r="http://schemas.openxmlformats.org/officeDocument/2006/relationships" xmlns:p="http://schemas.openxmlformats.org/presentationml/2006/main">
+  <p:cSld>
+    <p:spTree>
+      <p:nvGrpSpPr>
+        <p:cNvPr id="1" name=""/>
+        <p:cNvGrpSpPr/>
+        <p:nvPr/>
+      </p:nvGrpSpPr>
+      <p:grpSpPr>
+        <a:xfrm>
+          <a:off x="0" y="0"/>
+          <a:ext cx="0" cy="0"/>
+          <a:chOff x="0" y="0"/>
+          <a:chExt cx="0" cy="0"/>
+        </a:xfrm>
+      </p:grpSpPr>
+      <p:sp>
+        <p:nvSpPr>
+          <p:cNvPr id="2" name="Title 1">
+            <a:extLst>
+              <a:ext uri="{FF2B5EF4-FFF2-40B4-BE49-F238E27FC236}">
+                <a16:creationId xmlns:a16="http://schemas.microsoft.com/office/drawing/2014/main" id="{18203C9E-21C0-4FAB-A920-B0F17E667B81}"/>
+              </a:ext>
+            </a:extLst>
+          </p:cNvPr>
+          <p:cNvSpPr>
+            <a:spLocks noGrp="1"/>
+          </p:cNvSpPr>
+          <p:nvPr>
+            <p:ph type="title"/>
+          </p:nvPr>
+        </p:nvSpPr>
+        <p:spPr/>
+        <p:txBody>
+          <a:bodyPr/>
+          <a:lstStyle/>
+          <a:p>
+            <a:endParaRPr lang="es-PE"/>
+          </a:p>
+        </p:txBody>
+      </p:sp>
+      <p:sp>
+        <p:nvSpPr>
+          <p:cNvPr id="3" name="Content Placeholder 2">
+            <a:extLst>
+              <a:ext uri="{FF2B5EF4-FFF2-40B4-BE49-F238E27FC236}">
+                <a16:creationId xmlns:a16="http://schemas.microsoft.com/office/drawing/2014/main" id="{5093158F-AB28-40A4-8FB6-87AD3E6064BB}"/>
+              </a:ext>
+            </a:extLst>
+          </p:cNvPr>
+          <p:cNvSpPr>
+            <a:spLocks noGrp="1"/>
+          </p:cNvSpPr>
+          <p:nvPr>
+            <p:ph idx="1"/>
+          </p:nvPr>
+        </p:nvSpPr>
+        <p:spPr/>
+        <p:txBody>
+          <a:bodyPr/>
+          <a:lstStyle/>
+          <a:p>
+            <a:r>
+              <a:rPr lang="es-PE" dirty="0"/>
+              <a:t>Líneas de código:</a:t>
+            </a:r>
+          </a:p>
+          <a:p>
+            <a:pPr lvl="1"/>
+            <a:r>
+              <a:rPr lang="es-PE" dirty="0"/>
+              <a:t>HTML: 12025</a:t>
+            </a:r>
+          </a:p>
+          <a:p>
+            <a:pPr lvl="1"/>
+            <a:r>
+              <a:rPr lang="es-PE" dirty="0"/>
+              <a:t>CSS: 1188</a:t>
+            </a:r>
+          </a:p>
+          <a:p>
+            <a:r>
+              <a:rPr lang="es-PE" dirty="0"/>
+              <a:t>Git </a:t>
+            </a:r>
+            <a:r>
+              <a:rPr lang="es-PE" dirty="0" err="1"/>
+              <a:t>commits</a:t>
+            </a:r>
+            <a:r>
+              <a:rPr lang="es-PE" dirty="0"/>
+              <a:t>: 279</a:t>
+            </a:r>
+          </a:p>
+          <a:p>
+            <a:r>
+              <a:rPr lang="es-PE" dirty="0"/>
+              <a:t>Imágenes: 629</a:t>
+            </a:r>
+          </a:p>
+          <a:p>
+            <a:r>
+              <a:rPr lang="es-PE" dirty="0"/>
+              <a:t>En las ultimas 72 horas se agregaron 8110 líneas de código</a:t>
+            </a:r>
+          </a:p>
+          <a:p>
+            <a:endParaRPr lang="es-PE" dirty="0"/>
+          </a:p>
+        </p:txBody>
+      </p:sp>
+    </p:spTree>
+    <p:extLst>
+      <p:ext uri="{BB962C8B-B14F-4D97-AF65-F5344CB8AC3E}">
+        <p14:creationId xmlns:p14="http://schemas.microsoft.com/office/powerpoint/2010/main" val="834686557"/>
       </p:ext>
     </p:extLst>
   </p:cSld>
@@ -3977,6 +5543,89 @@
           <p:cNvPr id="2" name="Title 1">
             <a:extLst>
               <a:ext uri="{FF2B5EF4-FFF2-40B4-BE49-F238E27FC236}">
+                <a16:creationId xmlns:a16="http://schemas.microsoft.com/office/drawing/2014/main" id="{D2569ADE-8FEE-4E8E-BFFD-6A673B4B8AA7}"/>
+              </a:ext>
+            </a:extLst>
+          </p:cNvPr>
+          <p:cNvSpPr>
+            <a:spLocks noGrp="1"/>
+          </p:cNvSpPr>
+          <p:nvPr>
+            <p:ph type="title"/>
+          </p:nvPr>
+        </p:nvSpPr>
+        <p:spPr/>
+        <p:txBody>
+          <a:bodyPr/>
+          <a:lstStyle/>
+          <a:p>
+            <a:r>
+              <a:rPr lang="es-PE" dirty="0"/>
+              <a:t>Pagina Principal</a:t>
+            </a:r>
+          </a:p>
+        </p:txBody>
+      </p:sp>
+      <p:sp>
+        <p:nvSpPr>
+          <p:cNvPr id="3" name="Text Placeholder 2">
+            <a:extLst>
+              <a:ext uri="{FF2B5EF4-FFF2-40B4-BE49-F238E27FC236}">
+                <a16:creationId xmlns:a16="http://schemas.microsoft.com/office/drawing/2014/main" id="{79D9A592-BD95-4178-8545-BA1137303959}"/>
+              </a:ext>
+            </a:extLst>
+          </p:cNvPr>
+          <p:cNvSpPr>
+            <a:spLocks noGrp="1"/>
+          </p:cNvSpPr>
+          <p:nvPr>
+            <p:ph type="body" idx="1"/>
+          </p:nvPr>
+        </p:nvSpPr>
+        <p:spPr/>
+        <p:txBody>
+          <a:bodyPr/>
+          <a:lstStyle/>
+          <a:p>
+            <a:endParaRPr lang="es-PE" dirty="0"/>
+          </a:p>
+        </p:txBody>
+      </p:sp>
+    </p:spTree>
+    <p:extLst>
+      <p:ext uri="{BB962C8B-B14F-4D97-AF65-F5344CB8AC3E}">
+        <p14:creationId xmlns:p14="http://schemas.microsoft.com/office/powerpoint/2010/main" val="2736151872"/>
+      </p:ext>
+    </p:extLst>
+  </p:cSld>
+  <p:clrMapOvr>
+    <a:masterClrMapping/>
+  </p:clrMapOvr>
+</p:sld>
+</file>
+
+<file path=ppt/slides/slide7.xml><?xml version="1.0" encoding="utf-8"?>
+<p:sld xmlns:a="http://schemas.openxmlformats.org/drawingml/2006/main" xmlns:r="http://schemas.openxmlformats.org/officeDocument/2006/relationships" xmlns:p="http://schemas.openxmlformats.org/presentationml/2006/main">
+  <p:cSld>
+    <p:spTree>
+      <p:nvGrpSpPr>
+        <p:cNvPr id="1" name=""/>
+        <p:cNvGrpSpPr/>
+        <p:nvPr/>
+      </p:nvGrpSpPr>
+      <p:grpSpPr>
+        <a:xfrm>
+          <a:off x="0" y="0"/>
+          <a:ext cx="0" cy="0"/>
+          <a:chOff x="0" y="0"/>
+          <a:chExt cx="0" cy="0"/>
+        </a:xfrm>
+      </p:grpSpPr>
+      <p:sp>
+        <p:nvSpPr>
+          <p:cNvPr id="2" name="Title 1">
+            <a:extLst>
+              <a:ext uri="{FF2B5EF4-FFF2-40B4-BE49-F238E27FC236}">
                 <a16:creationId xmlns:a16="http://schemas.microsoft.com/office/drawing/2014/main" id="{7C3A80D1-9E45-4876-B8F5-DC202ABE0583}"/>
               </a:ext>
             </a:extLst>
@@ -3993,7 +5642,15 @@
           <a:bodyPr/>
           <a:lstStyle/>
           <a:p>
-            <a:endParaRPr lang="es-PE"/>
+            <a:r>
+              <a:rPr lang="es-PE" dirty="0"/>
+              <a:t>Barra de </a:t>
+            </a:r>
+            <a:r>
+              <a:rPr lang="es-PE" dirty="0" err="1"/>
+              <a:t>navegacion</a:t>
+            </a:r>
+            <a:endParaRPr lang="es-PE" dirty="0"/>
           </a:p>
         </p:txBody>
       </p:sp>
@@ -4026,6 +5683,181 @@
     <p:extLst>
       <p:ext uri="{BB962C8B-B14F-4D97-AF65-F5344CB8AC3E}">
         <p14:creationId xmlns:p14="http://schemas.microsoft.com/office/powerpoint/2010/main" val="552283402"/>
+      </p:ext>
+    </p:extLst>
+  </p:cSld>
+  <p:clrMapOvr>
+    <a:masterClrMapping/>
+  </p:clrMapOvr>
+</p:sld>
+</file>
+
+<file path=ppt/slides/slide8.xml><?xml version="1.0" encoding="utf-8"?>
+<p:sld xmlns:a="http://schemas.openxmlformats.org/drawingml/2006/main" xmlns:r="http://schemas.openxmlformats.org/officeDocument/2006/relationships" xmlns:p="http://schemas.openxmlformats.org/presentationml/2006/main">
+  <p:cSld>
+    <p:spTree>
+      <p:nvGrpSpPr>
+        <p:cNvPr id="1" name=""/>
+        <p:cNvGrpSpPr/>
+        <p:nvPr/>
+      </p:nvGrpSpPr>
+      <p:grpSpPr>
+        <a:xfrm>
+          <a:off x="0" y="0"/>
+          <a:ext cx="0" cy="0"/>
+          <a:chOff x="0" y="0"/>
+          <a:chExt cx="0" cy="0"/>
+        </a:xfrm>
+      </p:grpSpPr>
+      <p:sp>
+        <p:nvSpPr>
+          <p:cNvPr id="2" name="Title 1">
+            <a:extLst>
+              <a:ext uri="{FF2B5EF4-FFF2-40B4-BE49-F238E27FC236}">
+                <a16:creationId xmlns:a16="http://schemas.microsoft.com/office/drawing/2014/main" id="{D89B4073-BC41-4D5C-B77D-5CA08C704678}"/>
+              </a:ext>
+            </a:extLst>
+          </p:cNvPr>
+          <p:cNvSpPr>
+            <a:spLocks noGrp="1"/>
+          </p:cNvSpPr>
+          <p:nvPr>
+            <p:ph type="title"/>
+          </p:nvPr>
+        </p:nvSpPr>
+        <p:spPr/>
+        <p:txBody>
+          <a:bodyPr/>
+          <a:lstStyle/>
+          <a:p>
+            <a:r>
+              <a:rPr lang="es-PE" dirty="0"/>
+              <a:t>Slider de </a:t>
+            </a:r>
+            <a:r>
+              <a:rPr lang="es-PE" dirty="0" err="1"/>
+              <a:t>features</a:t>
+            </a:r>
+            <a:endParaRPr lang="es-PE" dirty="0"/>
+          </a:p>
+        </p:txBody>
+      </p:sp>
+      <p:sp>
+        <p:nvSpPr>
+          <p:cNvPr id="3" name="Content Placeholder 2">
+            <a:extLst>
+              <a:ext uri="{FF2B5EF4-FFF2-40B4-BE49-F238E27FC236}">
+                <a16:creationId xmlns:a16="http://schemas.microsoft.com/office/drawing/2014/main" id="{0FE13EA2-B1D8-4D22-AC98-FB1743FDAA90}"/>
+              </a:ext>
+            </a:extLst>
+          </p:cNvPr>
+          <p:cNvSpPr>
+            <a:spLocks noGrp="1"/>
+          </p:cNvSpPr>
+          <p:nvPr>
+            <p:ph idx="1"/>
+          </p:nvPr>
+        </p:nvSpPr>
+        <p:spPr/>
+        <p:txBody>
+          <a:bodyPr/>
+          <a:lstStyle/>
+          <a:p>
+            <a:endParaRPr lang="es-PE"/>
+          </a:p>
+        </p:txBody>
+      </p:sp>
+    </p:spTree>
+    <p:extLst>
+      <p:ext uri="{BB962C8B-B14F-4D97-AF65-F5344CB8AC3E}">
+        <p14:creationId xmlns:p14="http://schemas.microsoft.com/office/powerpoint/2010/main" val="997388343"/>
+      </p:ext>
+    </p:extLst>
+  </p:cSld>
+  <p:clrMapOvr>
+    <a:masterClrMapping/>
+  </p:clrMapOvr>
+</p:sld>
+</file>
+
+<file path=ppt/slides/slide9.xml><?xml version="1.0" encoding="utf-8"?>
+<p:sld xmlns:a="http://schemas.openxmlformats.org/drawingml/2006/main" xmlns:r="http://schemas.openxmlformats.org/officeDocument/2006/relationships" xmlns:p="http://schemas.openxmlformats.org/presentationml/2006/main">
+  <p:cSld>
+    <p:spTree>
+      <p:nvGrpSpPr>
+        <p:cNvPr id="1" name=""/>
+        <p:cNvGrpSpPr/>
+        <p:nvPr/>
+      </p:nvGrpSpPr>
+      <p:grpSpPr>
+        <a:xfrm>
+          <a:off x="0" y="0"/>
+          <a:ext cx="0" cy="0"/>
+          <a:chOff x="0" y="0"/>
+          <a:chExt cx="0" cy="0"/>
+        </a:xfrm>
+      </p:grpSpPr>
+      <p:sp>
+        <p:nvSpPr>
+          <p:cNvPr id="2" name="Title 1">
+            <a:extLst>
+              <a:ext uri="{FF2B5EF4-FFF2-40B4-BE49-F238E27FC236}">
+                <a16:creationId xmlns:a16="http://schemas.microsoft.com/office/drawing/2014/main" id="{EE961120-93EA-49F8-B2BC-7DB8FB7BAABF}"/>
+              </a:ext>
+            </a:extLst>
+          </p:cNvPr>
+          <p:cNvSpPr>
+            <a:spLocks noGrp="1"/>
+          </p:cNvSpPr>
+          <p:nvPr>
+            <p:ph type="title"/>
+          </p:nvPr>
+        </p:nvSpPr>
+        <p:spPr/>
+        <p:txBody>
+          <a:bodyPr/>
+          <a:lstStyle/>
+          <a:p>
+            <a:r>
+              <a:rPr lang="es-PE" dirty="0" err="1"/>
+              <a:t>Ultimos</a:t>
+            </a:r>
+            <a:r>
+              <a:rPr lang="es-PE" dirty="0"/>
+              <a:t> viajes</a:t>
+            </a:r>
+          </a:p>
+        </p:txBody>
+      </p:sp>
+      <p:sp>
+        <p:nvSpPr>
+          <p:cNvPr id="3" name="Content Placeholder 2">
+            <a:extLst>
+              <a:ext uri="{FF2B5EF4-FFF2-40B4-BE49-F238E27FC236}">
+                <a16:creationId xmlns:a16="http://schemas.microsoft.com/office/drawing/2014/main" id="{DA2A8192-AA63-45BA-B550-92236762B633}"/>
+              </a:ext>
+            </a:extLst>
+          </p:cNvPr>
+          <p:cNvSpPr>
+            <a:spLocks noGrp="1"/>
+          </p:cNvSpPr>
+          <p:nvPr>
+            <p:ph idx="1"/>
+          </p:nvPr>
+        </p:nvSpPr>
+        <p:spPr/>
+        <p:txBody>
+          <a:bodyPr/>
+          <a:lstStyle/>
+          <a:p>
+            <a:endParaRPr lang="es-PE"/>
+          </a:p>
+        </p:txBody>
+      </p:sp>
+    </p:spTree>
+    <p:extLst>
+      <p:ext uri="{BB962C8B-B14F-4D97-AF65-F5344CB8AC3E}">
+        <p14:creationId xmlns:p14="http://schemas.microsoft.com/office/powerpoint/2010/main" val="3289319874"/>
       </p:ext>
     </p:extLst>
   </p:cSld>
